--- a/Tank Calculations.pptx
+++ b/Tank Calculations.pptx
@@ -291,37 +291,37 @@
                 <c:formatCode>General</c:formatCode>
                 <c:ptCount val="11"/>
                 <c:pt idx="0">
-                  <c:v>0.52149999999999996</c:v>
+                  <c:v>0.53079999999999994</c:v>
                 </c:pt>
                 <c:pt idx="1">
-                  <c:v>0.17349999999999999</c:v>
+                  <c:v>0.18279999999999999</c:v>
                 </c:pt>
                 <c:pt idx="2">
-                  <c:v>0.13</c:v>
+                  <c:v>0.13929999999999998</c:v>
                 </c:pt>
                 <c:pt idx="3">
-                  <c:v>0.11549999999999999</c:v>
+                  <c:v>0.12479999999999999</c:v>
                 </c:pt>
                 <c:pt idx="4">
-                  <c:v>0.10824999999999999</c:v>
+                  <c:v>0.11754999999999999</c:v>
                 </c:pt>
                 <c:pt idx="5">
-                  <c:v>0.10389999999999999</c:v>
+                  <c:v>0.1132</c:v>
                 </c:pt>
                 <c:pt idx="6">
-                  <c:v>0.10099999999999999</c:v>
+                  <c:v>0.1103</c:v>
                 </c:pt>
                 <c:pt idx="7">
-                  <c:v>9.8928571428571421E-2</c:v>
+                  <c:v>0.10822857142857142</c:v>
                 </c:pt>
                 <c:pt idx="8">
-                  <c:v>9.7374999999999989E-2</c:v>
+                  <c:v>0.10667499999999999</c:v>
                 </c:pt>
                 <c:pt idx="9">
-                  <c:v>9.6166666666666664E-2</c:v>
+                  <c:v>0.10546666666666667</c:v>
                 </c:pt>
                 <c:pt idx="10">
-                  <c:v>9.5199999999999993E-2</c:v>
+                  <c:v>0.1045</c:v>
                 </c:pt>
               </c:numCache>
             </c:numRef>
@@ -329,7 +329,7 @@
           <c:smooth val="1"/>
           <c:extLst>
             <c:ext xmlns:c16="http://schemas.microsoft.com/office/drawing/2014/chart" uri="{C3380CC4-5D6E-409C-BE32-E72D297353CC}">
-              <c16:uniqueId val="{00000000-AC8B-42C3-8B60-4B161CB0F4A9}"/>
+              <c16:uniqueId val="{00000000-3BD0-4660-9D9D-0D21EFE21B15}"/>
             </c:ext>
           </c:extLst>
         </c:ser>
@@ -420,37 +420,37 @@
                 <c:formatCode>General</c:formatCode>
                 <c:ptCount val="11"/>
                 <c:pt idx="0">
-                  <c:v>0.128</c:v>
+                  <c:v>4.2700000000000002E-2</c:v>
                 </c:pt>
                 <c:pt idx="1">
-                  <c:v>0.128</c:v>
+                  <c:v>4.2700000000000002E-2</c:v>
                 </c:pt>
                 <c:pt idx="2">
-                  <c:v>0.128</c:v>
+                  <c:v>4.2700000000000002E-2</c:v>
                 </c:pt>
                 <c:pt idx="3">
-                  <c:v>0.128</c:v>
+                  <c:v>4.2700000000000002E-2</c:v>
                 </c:pt>
                 <c:pt idx="4">
-                  <c:v>0.128</c:v>
+                  <c:v>4.2700000000000002E-2</c:v>
                 </c:pt>
                 <c:pt idx="5">
-                  <c:v>0.128</c:v>
+                  <c:v>4.2700000000000002E-2</c:v>
                 </c:pt>
                 <c:pt idx="6">
-                  <c:v>0.128</c:v>
+                  <c:v>4.2700000000000002E-2</c:v>
                 </c:pt>
                 <c:pt idx="7">
-                  <c:v>0.128</c:v>
+                  <c:v>4.2700000000000002E-2</c:v>
                 </c:pt>
                 <c:pt idx="8">
-                  <c:v>0.128</c:v>
+                  <c:v>4.2700000000000002E-2</c:v>
                 </c:pt>
                 <c:pt idx="9">
-                  <c:v>0.128</c:v>
+                  <c:v>4.2700000000000002E-2</c:v>
                 </c:pt>
                 <c:pt idx="10">
-                  <c:v>0.128</c:v>
+                  <c:v>4.2700000000000002E-2</c:v>
                 </c:pt>
               </c:numCache>
             </c:numRef>
@@ -458,7 +458,7 @@
           <c:smooth val="1"/>
           <c:extLst>
             <c:ext xmlns:c16="http://schemas.microsoft.com/office/drawing/2014/chart" uri="{C3380CC4-5D6E-409C-BE32-E72D297353CC}">
-              <c16:uniqueId val="{00000001-AC8B-42C3-8B60-4B161CB0F4A9}"/>
+              <c16:uniqueId val="{00000001-3BD0-4660-9D9D-0D21EFE21B15}"/>
             </c:ext>
           </c:extLst>
         </c:ser>
@@ -549,37 +549,37 @@
                 <c:formatCode>General</c:formatCode>
                 <c:ptCount val="11"/>
                 <c:pt idx="0">
-                  <c:v>0.11899999999999999</c:v>
+                  <c:v>0.115</c:v>
                 </c:pt>
                 <c:pt idx="1">
-                  <c:v>0.11899999999999999</c:v>
+                  <c:v>0.115</c:v>
                 </c:pt>
                 <c:pt idx="2">
-                  <c:v>0.11899999999999999</c:v>
+                  <c:v>0.115</c:v>
                 </c:pt>
                 <c:pt idx="3">
-                  <c:v>0.11899999999999999</c:v>
+                  <c:v>0.115</c:v>
                 </c:pt>
                 <c:pt idx="4">
-                  <c:v>0.11899999999999999</c:v>
+                  <c:v>0.115</c:v>
                 </c:pt>
                 <c:pt idx="5">
-                  <c:v>0.11899999999999999</c:v>
+                  <c:v>0.115</c:v>
                 </c:pt>
                 <c:pt idx="6">
-                  <c:v>0.11899999999999999</c:v>
+                  <c:v>0.115</c:v>
                 </c:pt>
                 <c:pt idx="7">
-                  <c:v>0.11899999999999999</c:v>
+                  <c:v>0.115</c:v>
                 </c:pt>
                 <c:pt idx="8">
-                  <c:v>0.11899999999999999</c:v>
+                  <c:v>0.115</c:v>
                 </c:pt>
                 <c:pt idx="9">
-                  <c:v>0.11899999999999999</c:v>
+                  <c:v>0.115</c:v>
                 </c:pt>
                 <c:pt idx="10">
-                  <c:v>0.11899999999999999</c:v>
+                  <c:v>0.115</c:v>
                 </c:pt>
               </c:numCache>
             </c:numRef>
@@ -587,7 +587,7 @@
           <c:smooth val="1"/>
           <c:extLst>
             <c:ext xmlns:c16="http://schemas.microsoft.com/office/drawing/2014/chart" uri="{C3380CC4-5D6E-409C-BE32-E72D297353CC}">
-              <c16:uniqueId val="{00000002-AC8B-42C3-8B60-4B161CB0F4A9}"/>
+              <c16:uniqueId val="{00000002-3BD0-4660-9D9D-0D21EFE21B15}"/>
             </c:ext>
           </c:extLst>
         </c:ser>
@@ -1473,7 +1473,7 @@
           <a:p>
             <a:fld id="{36F466E5-E539-4E9D-AD27-D87F7017BBA5}" type="datetimeFigureOut">
               <a:rPr lang="en-SG" smtClean="0"/>
-              <a:t>18/2/2020</a:t>
+              <a:t>19/2/2020</a:t>
             </a:fld>
             <a:endParaRPr lang="en-SG" dirty="0"/>
           </a:p>
@@ -1673,7 +1673,7 @@
           <a:p>
             <a:fld id="{36F466E5-E539-4E9D-AD27-D87F7017BBA5}" type="datetimeFigureOut">
               <a:rPr lang="en-SG" smtClean="0"/>
-              <a:t>18/2/2020</a:t>
+              <a:t>19/2/2020</a:t>
             </a:fld>
             <a:endParaRPr lang="en-SG" dirty="0"/>
           </a:p>
@@ -1883,7 +1883,7 @@
           <a:p>
             <a:fld id="{36F466E5-E539-4E9D-AD27-D87F7017BBA5}" type="datetimeFigureOut">
               <a:rPr lang="en-SG" smtClean="0"/>
-              <a:t>18/2/2020</a:t>
+              <a:t>19/2/2020</a:t>
             </a:fld>
             <a:endParaRPr lang="en-SG" dirty="0"/>
           </a:p>
@@ -2083,7 +2083,7 @@
           <a:p>
             <a:fld id="{36F466E5-E539-4E9D-AD27-D87F7017BBA5}" type="datetimeFigureOut">
               <a:rPr lang="en-SG" smtClean="0"/>
-              <a:t>18/2/2020</a:t>
+              <a:t>19/2/2020</a:t>
             </a:fld>
             <a:endParaRPr lang="en-SG" dirty="0"/>
           </a:p>
@@ -2359,7 +2359,7 @@
           <a:p>
             <a:fld id="{36F466E5-E539-4E9D-AD27-D87F7017BBA5}" type="datetimeFigureOut">
               <a:rPr lang="en-SG" smtClean="0"/>
-              <a:t>18/2/2020</a:t>
+              <a:t>19/2/2020</a:t>
             </a:fld>
             <a:endParaRPr lang="en-SG" dirty="0"/>
           </a:p>
@@ -2627,7 +2627,7 @@
           <a:p>
             <a:fld id="{36F466E5-E539-4E9D-AD27-D87F7017BBA5}" type="datetimeFigureOut">
               <a:rPr lang="en-SG" smtClean="0"/>
-              <a:t>18/2/2020</a:t>
+              <a:t>19/2/2020</a:t>
             </a:fld>
             <a:endParaRPr lang="en-SG" dirty="0"/>
           </a:p>
@@ -3042,7 +3042,7 @@
           <a:p>
             <a:fld id="{36F466E5-E539-4E9D-AD27-D87F7017BBA5}" type="datetimeFigureOut">
               <a:rPr lang="en-SG" smtClean="0"/>
-              <a:t>18/2/2020</a:t>
+              <a:t>19/2/2020</a:t>
             </a:fld>
             <a:endParaRPr lang="en-SG" dirty="0"/>
           </a:p>
@@ -3184,7 +3184,7 @@
           <a:p>
             <a:fld id="{36F466E5-E539-4E9D-AD27-D87F7017BBA5}" type="datetimeFigureOut">
               <a:rPr lang="en-SG" smtClean="0"/>
-              <a:t>18/2/2020</a:t>
+              <a:t>19/2/2020</a:t>
             </a:fld>
             <a:endParaRPr lang="en-SG" dirty="0"/>
           </a:p>
@@ -3297,7 +3297,7 @@
           <a:p>
             <a:fld id="{36F466E5-E539-4E9D-AD27-D87F7017BBA5}" type="datetimeFigureOut">
               <a:rPr lang="en-SG" smtClean="0"/>
-              <a:t>18/2/2020</a:t>
+              <a:t>19/2/2020</a:t>
             </a:fld>
             <a:endParaRPr lang="en-SG" dirty="0"/>
           </a:p>
@@ -3610,7 +3610,7 @@
           <a:p>
             <a:fld id="{36F466E5-E539-4E9D-AD27-D87F7017BBA5}" type="datetimeFigureOut">
               <a:rPr lang="en-SG" smtClean="0"/>
-              <a:t>18/2/2020</a:t>
+              <a:t>19/2/2020</a:t>
             </a:fld>
             <a:endParaRPr lang="en-SG" dirty="0"/>
           </a:p>
@@ -3899,7 +3899,7 @@
           <a:p>
             <a:fld id="{36F466E5-E539-4E9D-AD27-D87F7017BBA5}" type="datetimeFigureOut">
               <a:rPr lang="en-SG" smtClean="0"/>
-              <a:t>18/2/2020</a:t>
+              <a:t>19/2/2020</a:t>
             </a:fld>
             <a:endParaRPr lang="en-SG" dirty="0"/>
           </a:p>
@@ -4142,7 +4142,7 @@
           <a:p>
             <a:fld id="{36F466E5-E539-4E9D-AD27-D87F7017BBA5}" type="datetimeFigureOut">
               <a:rPr lang="en-SG" smtClean="0"/>
-              <a:t>18/2/2020</a:t>
+              <a:t>19/2/2020</a:t>
             </a:fld>
             <a:endParaRPr lang="en-SG" dirty="0"/>
           </a:p>
@@ -4821,13 +4821,13 @@
                 <a:latin typeface="Arial" panose="020B0604020202020204" pitchFamily="34" charset="0"/>
                 <a:cs typeface="Arial" panose="020B0604020202020204" pitchFamily="34" charset="0"/>
               </a:rPr>
-              <a:t>MTT Calculations</a:t>
+              <a:t>Max Tractive Torque Calculations</a:t>
             </a:r>
           </a:p>
         </p:txBody>
       </p:sp>
-      <mc:AlternateContent xmlns:mc="http://schemas.openxmlformats.org/markup-compatibility/2006">
-        <mc:Choice xmlns:a14="http://schemas.microsoft.com/office/drawing/2010/main" Requires="a14">
+      <mc:AlternateContent xmlns:mc="http://schemas.openxmlformats.org/markup-compatibility/2006" xmlns:a14="http://schemas.microsoft.com/office/drawing/2010/main">
+        <mc:Choice Requires="a14">
           <p:sp>
             <p:nvSpPr>
               <p:cNvPr id="3" name="Content Placeholder 2">
@@ -4996,13 +4996,7 @@
                         <a:rPr lang="en-SG" b="0" i="1" smtClean="0">
                           <a:latin typeface="Cambria Math" panose="02040503050406030204" pitchFamily="18" charset="0"/>
                         </a:rPr>
-                        <m:t>=</m:t>
-                      </m:r>
-                      <m:r>
-                        <a:rPr lang="en-SG" b="0" i="1" smtClean="0">
-                          <a:latin typeface="Cambria Math" panose="02040503050406030204" pitchFamily="18" charset="0"/>
-                        </a:rPr>
-                        <m:t>7.357</m:t>
+                        <m:t>=2.453</m:t>
                       </m:r>
                       <m:r>
                         <a:rPr lang="en-SG" b="0" i="1" smtClean="0">
@@ -5061,14 +5055,7 @@
                           <a:latin typeface="Cambria Math" panose="02040503050406030204" pitchFamily="18" charset="0"/>
                           <a:ea typeface="Cambria Math" panose="02040503050406030204" pitchFamily="18" charset="0"/>
                         </a:rPr>
-                        <m:t>=0.1</m:t>
-                      </m:r>
-                      <m:r>
-                        <a:rPr lang="en-SG" b="0" i="1" smtClean="0">
-                          <a:latin typeface="Cambria Math" panose="02040503050406030204" pitchFamily="18" charset="0"/>
-                          <a:ea typeface="Cambria Math" panose="02040503050406030204" pitchFamily="18" charset="0"/>
-                        </a:rPr>
-                        <m:t>28</m:t>
+                        <m:t>=0.0427</m:t>
                       </m:r>
                       <m:r>
                         <a:rPr lang="en-SG" b="0" i="1" smtClean="0">
@@ -5087,7 +5074,7 @@
             </p:txBody>
           </p:sp>
         </mc:Choice>
-        <mc:Fallback>
+        <mc:Fallback xmlns="">
           <p:sp>
             <p:nvSpPr>
               <p:cNvPr id="3" name="Content Placeholder 2">
@@ -5220,7 +5207,7 @@
                 <a:latin typeface="Arial" panose="020B0604020202020204" pitchFamily="34" charset="0"/>
                 <a:cs typeface="Arial" panose="020B0604020202020204" pitchFamily="34" charset="0"/>
               </a:rPr>
-              <a:t>Based on my calculations, I recommend the minimum motor torque is 0.119Nm, maximum motor torque is 0.128Nm and my recommend rpm is 350 rpm </a:t>
+              <a:t>Based on my calculations, I recommend the minimum motor torque is 0.115Nm, maximum motor torque is 0.0427Nm and my recommend rpm is 350 rpm </a:t>
             </a:r>
           </a:p>
         </p:txBody>
@@ -5287,8 +5274,8 @@
           </a:p>
         </p:txBody>
       </p:sp>
-      <mc:AlternateContent xmlns:mc="http://schemas.openxmlformats.org/markup-compatibility/2006">
-        <mc:Choice xmlns:a14="http://schemas.microsoft.com/office/drawing/2010/main" Requires="a14">
+      <mc:AlternateContent xmlns:mc="http://schemas.openxmlformats.org/markup-compatibility/2006" xmlns:a14="http://schemas.microsoft.com/office/drawing/2010/main">
+        <mc:Choice Requires="a14">
           <p:sp>
             <p:nvSpPr>
               <p:cNvPr id="3" name="Content Placeholder 2">
@@ -5462,25 +5449,7 @@
                         <a:rPr lang="en-SG" b="0" i="1" smtClean="0">
                           <a:latin typeface="Cambria Math" panose="02040503050406030204" pitchFamily="18" charset="0"/>
                         </a:rPr>
-                        <m:t>=2.</m:t>
-                      </m:r>
-                      <m:r>
-                        <a:rPr lang="en-SG" b="0" i="1" smtClean="0">
-                          <a:latin typeface="Cambria Math" panose="02040503050406030204" pitchFamily="18" charset="0"/>
-                        </a:rPr>
-                        <m:t>982</m:t>
-                      </m:r>
-                      <m:r>
-                        <a:rPr lang="en-SG" b="0" i="1" smtClean="0">
-                          <a:latin typeface="Cambria Math" panose="02040503050406030204" pitchFamily="18" charset="0"/>
-                        </a:rPr>
-                        <m:t>+1.</m:t>
-                      </m:r>
-                      <m:r>
-                        <a:rPr lang="en-SG" b="0" i="1" smtClean="0">
-                          <a:latin typeface="Cambria Math" panose="02040503050406030204" pitchFamily="18" charset="0"/>
-                        </a:rPr>
-                        <m:t>5</m:t>
+                        <m:t>=3.305+1.5</m:t>
                       </m:r>
                       <m:r>
                         <a:rPr lang="en-SG" b="0" i="1" smtClean="0">
@@ -5615,25 +5584,7 @@
                         <a:rPr lang="en-SG" b="0" i="1" smtClean="0">
                           <a:latin typeface="Cambria Math" panose="02040503050406030204" pitchFamily="18" charset="0"/>
                         </a:rPr>
-                        <m:t>=0.029(2.</m:t>
-                      </m:r>
-                      <m:r>
-                        <a:rPr lang="en-SG" b="0" i="1" smtClean="0">
-                          <a:latin typeface="Cambria Math" panose="02040503050406030204" pitchFamily="18" charset="0"/>
-                        </a:rPr>
-                        <m:t>982</m:t>
-                      </m:r>
-                      <m:r>
-                        <a:rPr lang="en-SG" b="0" i="1" smtClean="0">
-                          <a:latin typeface="Cambria Math" panose="02040503050406030204" pitchFamily="18" charset="0"/>
-                        </a:rPr>
-                        <m:t>+1.</m:t>
-                      </m:r>
-                      <m:r>
-                        <a:rPr lang="en-SG" b="0" i="1" smtClean="0">
-                          <a:latin typeface="Cambria Math" panose="02040503050406030204" pitchFamily="18" charset="0"/>
-                        </a:rPr>
-                        <m:t>5</m:t>
+                        <m:t>=0.029(3.305+1.5</m:t>
                       </m:r>
                       <m:r>
                         <a:rPr lang="en-SG" b="0" i="1" smtClean="0">
@@ -5691,25 +5642,7 @@
                         <a:rPr lang="en-SG" b="0" i="1" smtClean="0">
                           <a:latin typeface="Cambria Math" panose="02040503050406030204" pitchFamily="18" charset="0"/>
                         </a:rPr>
-                        <m:t>=0.</m:t>
-                      </m:r>
-                      <m:r>
-                        <a:rPr lang="en-SG" b="0" i="1" smtClean="0">
-                          <a:latin typeface="Cambria Math" panose="02040503050406030204" pitchFamily="18" charset="0"/>
-                        </a:rPr>
-                        <m:t>0865</m:t>
-                      </m:r>
-                      <m:r>
-                        <a:rPr lang="en-SG" b="0" i="1" smtClean="0">
-                          <a:latin typeface="Cambria Math" panose="02040503050406030204" pitchFamily="18" charset="0"/>
-                        </a:rPr>
-                        <m:t>+0.0</m:t>
-                      </m:r>
-                      <m:r>
-                        <a:rPr lang="en-SG" b="0" i="1" smtClean="0">
-                          <a:latin typeface="Cambria Math" panose="02040503050406030204" pitchFamily="18" charset="0"/>
-                        </a:rPr>
-                        <m:t>435</m:t>
+                        <m:t>=0.0958+0.0435</m:t>
                       </m:r>
                       <m:r>
                         <a:rPr lang="en-SG" b="0" i="1" smtClean="0">
@@ -5761,19 +5694,7 @@
                         <a:rPr lang="en-SG" b="0" i="1" smtClean="0">
                           <a:latin typeface="Cambria Math" panose="02040503050406030204" pitchFamily="18" charset="0"/>
                         </a:rPr>
-                        <m:t>=0.0</m:t>
-                      </m:r>
-                      <m:r>
-                        <a:rPr lang="en-SG" b="0" i="1" smtClean="0">
-                          <a:latin typeface="Cambria Math" panose="02040503050406030204" pitchFamily="18" charset="0"/>
-                        </a:rPr>
-                        <m:t>865</m:t>
-                      </m:r>
-                      <m:r>
-                        <a:rPr lang="en-SG" b="0" i="1" smtClean="0">
-                          <a:latin typeface="Cambria Math" panose="02040503050406030204" pitchFamily="18" charset="0"/>
-                        </a:rPr>
-                        <m:t>+</m:t>
+                        <m:t>=0.0958+</m:t>
                       </m:r>
                       <m:r>
                         <a:rPr lang="en-SG" b="0" i="0" smtClean="0">
@@ -5785,13 +5706,7 @@
                         <a:rPr lang="en-SG" b="0" i="1" smtClean="0">
                           <a:latin typeface="Cambria Math" panose="02040503050406030204" pitchFamily="18" charset="0"/>
                         </a:rPr>
-                        <m:t>0</m:t>
-                      </m:r>
-                      <m:r>
-                        <a:rPr lang="en-SG" b="0" i="1" smtClean="0">
-                          <a:latin typeface="Cambria Math" panose="02040503050406030204" pitchFamily="18" charset="0"/>
-                        </a:rPr>
-                        <m:t>435</m:t>
+                        <m:t>0435</m:t>
                       </m:r>
                       <m:sSup>
                         <m:sSupPr>
@@ -5838,7 +5753,7 @@
             </p:txBody>
           </p:sp>
         </mc:Choice>
-        <mc:Fallback>
+        <mc:Fallback xmlns="">
           <p:sp>
             <p:nvSpPr>
               <p:cNvPr id="3" name="Content Placeholder 2">
@@ -5941,8 +5856,8 @@
           </a:p>
         </p:txBody>
       </p:sp>
-      <mc:AlternateContent xmlns:mc="http://schemas.openxmlformats.org/markup-compatibility/2006">
-        <mc:Choice xmlns:a14="http://schemas.microsoft.com/office/drawing/2010/main" Requires="a14">
+      <mc:AlternateContent xmlns:mc="http://schemas.openxmlformats.org/markup-compatibility/2006" xmlns:a14="http://schemas.microsoft.com/office/drawing/2010/main">
+        <mc:Choice Requires="a14">
           <p:sp>
             <p:nvSpPr>
               <p:cNvPr id="3" name="Content Placeholder 2">
@@ -6017,13 +5932,7 @@
                         <a:rPr lang="en-SG" b="0" i="1" smtClean="0">
                           <a:latin typeface="Cambria Math" panose="02040503050406030204" pitchFamily="18" charset="0"/>
                         </a:rPr>
-                        <m:t>0</m:t>
-                      </m:r>
-                      <m:r>
-                        <a:rPr lang="en-SG" b="0" i="1" smtClean="0">
-                          <a:latin typeface="Cambria Math" panose="02040503050406030204" pitchFamily="18" charset="0"/>
-                        </a:rPr>
-                        <m:t>865 </m:t>
+                        <m:t>0958 </m:t>
                       </m:r>
                       <m:r>
                         <a:rPr lang="en-SG" i="1">
@@ -6041,13 +5950,7 @@
                         <a:rPr lang="en-SG" b="0" i="1" smtClean="0">
                           <a:latin typeface="Cambria Math" panose="02040503050406030204" pitchFamily="18" charset="0"/>
                         </a:rPr>
-                        <m:t>0</m:t>
-                      </m:r>
-                      <m:r>
-                        <a:rPr lang="en-SG" b="0" i="1" smtClean="0">
-                          <a:latin typeface="Cambria Math" panose="02040503050406030204" pitchFamily="18" charset="0"/>
-                        </a:rPr>
-                        <m:t>435</m:t>
+                        <m:t>0435</m:t>
                       </m:r>
                       <m:sSup>
                         <m:sSupPr>
@@ -6124,13 +6027,7 @@
                         <a:rPr lang="en-SG" b="0" i="1" smtClean="0">
                           <a:latin typeface="Cambria Math" panose="02040503050406030204" pitchFamily="18" charset="0"/>
                         </a:rPr>
-                        <m:t>0</m:t>
-                      </m:r>
-                      <m:r>
-                        <a:rPr lang="en-SG" b="0" i="1" smtClean="0">
-                          <a:latin typeface="Cambria Math" panose="02040503050406030204" pitchFamily="18" charset="0"/>
-                        </a:rPr>
-                        <m:t>865</m:t>
+                        <m:t>0958</m:t>
                       </m:r>
                       <m:r>
                         <a:rPr lang="en-SG" i="1">
@@ -6148,13 +6045,7 @@
                         <a:rPr lang="en-SG" b="0" i="1" smtClean="0">
                           <a:latin typeface="Cambria Math" panose="02040503050406030204" pitchFamily="18" charset="0"/>
                         </a:rPr>
-                        <m:t>.0</m:t>
-                      </m:r>
-                      <m:r>
-                        <a:rPr lang="en-SG" b="0" i="1" smtClean="0">
-                          <a:latin typeface="Cambria Math" panose="02040503050406030204" pitchFamily="18" charset="0"/>
-                        </a:rPr>
-                        <m:t>435</m:t>
+                        <m:t>.0435</m:t>
                       </m:r>
                       <m:sSup>
                         <m:sSupPr>
@@ -6231,7 +6122,7 @@
                         <a:rPr lang="en-SG" b="0" i="1" smtClean="0">
                           <a:latin typeface="Cambria Math" panose="02040503050406030204" pitchFamily="18" charset="0"/>
                         </a:rPr>
-                        <m:t>13</m:t>
+                        <m:t>139</m:t>
                       </m:r>
                       <m:r>
                         <a:rPr lang="en-SG" b="0" i="1" smtClean="0">
@@ -6304,13 +6195,7 @@
                         <a:rPr lang="en-SG" b="0" i="1" smtClean="0">
                           <a:latin typeface="Cambria Math" panose="02040503050406030204" pitchFamily="18" charset="0"/>
                         </a:rPr>
-                        <m:t>0</m:t>
-                      </m:r>
-                      <m:r>
-                        <a:rPr lang="en-SG" b="0" i="1" smtClean="0">
-                          <a:latin typeface="Cambria Math" panose="02040503050406030204" pitchFamily="18" charset="0"/>
-                        </a:rPr>
-                        <m:t>865</m:t>
+                        <m:t>0958</m:t>
                       </m:r>
                       <m:r>
                         <a:rPr lang="en-SG" i="1">
@@ -6328,13 +6213,7 @@
                         <a:rPr lang="en-SG" b="0" i="1" smtClean="0">
                           <a:latin typeface="Cambria Math" panose="02040503050406030204" pitchFamily="18" charset="0"/>
                         </a:rPr>
-                        <m:t>0</m:t>
-                      </m:r>
-                      <m:r>
-                        <a:rPr lang="en-SG" b="0" i="1" smtClean="0">
-                          <a:latin typeface="Cambria Math" panose="02040503050406030204" pitchFamily="18" charset="0"/>
-                        </a:rPr>
-                        <m:t>435</m:t>
+                        <m:t>0435</m:t>
                       </m:r>
                       <m:sSup>
                         <m:sSupPr>
@@ -6411,7 +6290,7 @@
                         <a:rPr lang="en-SG" b="0" i="1" smtClean="0">
                           <a:latin typeface="Cambria Math" panose="02040503050406030204" pitchFamily="18" charset="0"/>
                         </a:rPr>
-                        <m:t>0865</m:t>
+                        <m:t>0958</m:t>
                       </m:r>
                       <m:r>
                         <a:rPr lang="en-SG" i="1">
@@ -6429,13 +6308,7 @@
                         <a:rPr lang="en-SG" b="0" i="1" smtClean="0">
                           <a:latin typeface="Cambria Math" panose="02040503050406030204" pitchFamily="18" charset="0"/>
                         </a:rPr>
-                        <m:t>0</m:t>
-                      </m:r>
-                      <m:r>
-                        <a:rPr lang="en-SG" b="0" i="1" smtClean="0">
-                          <a:latin typeface="Cambria Math" panose="02040503050406030204" pitchFamily="18" charset="0"/>
-                        </a:rPr>
-                        <m:t>435</m:t>
+                        <m:t>0435</m:t>
                       </m:r>
                       <m:sSup>
                         <m:sSupPr>
@@ -6512,13 +6385,7 @@
                         <a:rPr lang="en-SG" b="0" i="1" smtClean="0">
                           <a:latin typeface="Cambria Math" panose="02040503050406030204" pitchFamily="18" charset="0"/>
                         </a:rPr>
-                        <m:t>0.</m:t>
-                      </m:r>
-                      <m:r>
-                        <a:rPr lang="en-SG" b="0" i="1" smtClean="0">
-                          <a:latin typeface="Cambria Math" panose="02040503050406030204" pitchFamily="18" charset="0"/>
-                        </a:rPr>
-                        <m:t>108</m:t>
+                        <m:t>0.118</m:t>
                       </m:r>
                       <m:r>
                         <a:rPr lang="en-SG" b="0" i="1" smtClean="0">
@@ -6552,7 +6419,7 @@
             </p:txBody>
           </p:sp>
         </mc:Choice>
-        <mc:Fallback>
+        <mc:Fallback xmlns="">
           <p:sp>
             <p:nvSpPr>
               <p:cNvPr id="3" name="Content Placeholder 2">
@@ -6654,507 +6521,557 @@
           </a:p>
         </p:txBody>
       </p:sp>
-      <mc:AlternateContent xmlns:mc="http://schemas.openxmlformats.org/markup-compatibility/2006">
-        <mc:Choice xmlns:a14="http://schemas.microsoft.com/office/drawing/2010/main" Requires="a14">
-          <p:sp>
-            <p:nvSpPr>
-              <p:cNvPr id="10" name="TextBox 9">
-                <a:extLst>
-                  <a:ext uri="{FF2B5EF4-FFF2-40B4-BE49-F238E27FC236}">
-                    <a16:creationId xmlns:a16="http://schemas.microsoft.com/office/drawing/2014/main" id="{4BAD5093-C175-486B-850C-342E5A2C77E9}"/>
-                  </a:ext>
-                </a:extLst>
-              </p:cNvPr>
-              <p:cNvSpPr txBox="1"/>
-              <p:nvPr/>
-            </p:nvSpPr>
-            <p:spPr>
-              <a:xfrm>
-                <a:off x="7529495" y="4706255"/>
-                <a:ext cx="2252870" cy="369332"/>
-              </a:xfrm>
-              <a:prstGeom prst="rect">
-                <a:avLst/>
-              </a:prstGeom>
-              <a:noFill/>
-            </p:spPr>
-            <p:txBody>
-              <a:bodyPr wrap="square" rtlCol="0">
-                <a:spAutoFit/>
-              </a:bodyPr>
-              <a:lstStyle/>
-              <a:p>
-                <a:pPr/>
-                <a14:m>
-                  <m:oMathPara xmlns:m="http://schemas.openxmlformats.org/officeDocument/2006/math">
-                    <m:oMathParaPr>
-                      <m:jc m:val="centerGroup"/>
-                    </m:oMathParaPr>
-                    <m:oMath xmlns:m="http://schemas.openxmlformats.org/officeDocument/2006/math">
-                      <m:sSub>
-                        <m:sSubPr>
-                          <m:ctrlPr>
-                            <a:rPr lang="en-SG" i="1" smtClean="0">
-                              <a:latin typeface="Cambria Math" panose="02040503050406030204" pitchFamily="18" charset="0"/>
-                              <a:ea typeface="Cambria Math" panose="02040503050406030204" pitchFamily="18" charset="0"/>
-                            </a:rPr>
-                          </m:ctrlPr>
-                        </m:sSubPr>
-                        <m:e>
-                          <m:r>
-                            <a:rPr lang="en-SG" i="1">
-                              <a:latin typeface="Cambria Math" panose="02040503050406030204" pitchFamily="18" charset="0"/>
-                              <a:ea typeface="Cambria Math" panose="02040503050406030204" pitchFamily="18" charset="0"/>
-                            </a:rPr>
-                            <m:t>𝑇</m:t>
-                          </m:r>
-                        </m:e>
-                        <m:sub>
-                          <m:r>
-                            <a:rPr lang="en-SG" i="1">
-                              <a:latin typeface="Cambria Math" panose="02040503050406030204" pitchFamily="18" charset="0"/>
-                              <a:ea typeface="Cambria Math" panose="02040503050406030204" pitchFamily="18" charset="0"/>
-                            </a:rPr>
-                            <m:t>𝑚𝑎𝑥𝑇</m:t>
-                          </m:r>
-                        </m:sub>
-                      </m:sSub>
-                      <m:r>
-                        <a:rPr lang="en-SG" i="1">
-                          <a:latin typeface="Cambria Math" panose="02040503050406030204" pitchFamily="18" charset="0"/>
-                          <a:ea typeface="Cambria Math" panose="02040503050406030204" pitchFamily="18" charset="0"/>
-                        </a:rPr>
-                        <m:t>=0.</m:t>
-                      </m:r>
-                      <m:r>
-                        <a:rPr lang="en-SG" b="0" i="1" smtClean="0">
-                          <a:latin typeface="Cambria Math" panose="02040503050406030204" pitchFamily="18" charset="0"/>
-                          <a:ea typeface="Cambria Math" panose="02040503050406030204" pitchFamily="18" charset="0"/>
-                        </a:rPr>
-                        <m:t>1</m:t>
-                      </m:r>
-                      <m:r>
-                        <a:rPr lang="en-SG" b="0" i="1" smtClean="0">
-                          <a:latin typeface="Cambria Math" panose="02040503050406030204" pitchFamily="18" charset="0"/>
-                          <a:ea typeface="Cambria Math" panose="02040503050406030204" pitchFamily="18" charset="0"/>
-                        </a:rPr>
-                        <m:t>28</m:t>
-                      </m:r>
-                      <m:r>
-                        <a:rPr lang="en-SG" i="1">
-                          <a:latin typeface="Cambria Math" panose="02040503050406030204" pitchFamily="18" charset="0"/>
-                          <a:ea typeface="Cambria Math" panose="02040503050406030204" pitchFamily="18" charset="0"/>
-                        </a:rPr>
-                        <m:t>𝑁𝑚</m:t>
-                      </m:r>
-                    </m:oMath>
-                  </m:oMathPara>
-                </a14:m>
-                <a:endParaRPr lang="en-SG" dirty="0"/>
-              </a:p>
-            </p:txBody>
-          </p:sp>
-        </mc:Choice>
-        <mc:Fallback>
-          <p:sp>
-            <p:nvSpPr>
-              <p:cNvPr id="10" name="TextBox 9">
-                <a:extLst>
-                  <a:ext uri="{FF2B5EF4-FFF2-40B4-BE49-F238E27FC236}">
-                    <a16:creationId xmlns:a16="http://schemas.microsoft.com/office/drawing/2014/main" id="{4BAD5093-C175-486B-850C-342E5A2C77E9}"/>
-                  </a:ext>
-                </a:extLst>
-              </p:cNvPr>
-              <p:cNvSpPr txBox="1">
-                <a:spLocks noRot="1" noChangeAspect="1" noMove="1" noResize="1" noEditPoints="1" noAdjustHandles="1" noChangeArrowheads="1" noChangeShapeType="1" noTextEdit="1"/>
-              </p:cNvSpPr>
-              <p:nvPr/>
-            </p:nvSpPr>
-            <p:spPr>
-              <a:xfrm>
-                <a:off x="7529495" y="4706255"/>
-                <a:ext cx="2252870" cy="369332"/>
-              </a:xfrm>
-              <a:prstGeom prst="rect">
-                <a:avLst/>
-              </a:prstGeom>
-              <a:blipFill>
-                <a:blip r:embed="rId2"/>
-                <a:stretch>
-                  <a:fillRect/>
-                </a:stretch>
-              </a:blipFill>
-            </p:spPr>
-            <p:txBody>
-              <a:bodyPr/>
-              <a:lstStyle/>
-              <a:p>
-                <a:r>
-                  <a:rPr lang="en-SG">
-                    <a:noFill/>
-                  </a:rPr>
-                  <a:t> </a:t>
-                </a:r>
-              </a:p>
-            </p:txBody>
-          </p:sp>
-        </mc:Fallback>
-      </mc:AlternateContent>
-      <mc:AlternateContent xmlns:mc="http://schemas.openxmlformats.org/markup-compatibility/2006">
-        <mc:Choice xmlns:a14="http://schemas.microsoft.com/office/drawing/2010/main" Requires="a14">
-          <p:sp>
-            <p:nvSpPr>
-              <p:cNvPr id="11" name="Rectangle 10">
-                <a:extLst>
-                  <a:ext uri="{FF2B5EF4-FFF2-40B4-BE49-F238E27FC236}">
-                    <a16:creationId xmlns:a16="http://schemas.microsoft.com/office/drawing/2014/main" id="{D305B447-D99E-4FB6-9103-63F406B7594A}"/>
-                  </a:ext>
-                </a:extLst>
-              </p:cNvPr>
-              <p:cNvSpPr/>
-              <p:nvPr/>
-            </p:nvSpPr>
-            <p:spPr>
-              <a:xfrm>
-                <a:off x="8269356" y="5048913"/>
-                <a:ext cx="2200346" cy="396006"/>
-              </a:xfrm>
-              <a:prstGeom prst="rect">
-                <a:avLst/>
-              </a:prstGeom>
-            </p:spPr>
-            <p:txBody>
-              <a:bodyPr wrap="none">
-                <a:spAutoFit/>
-              </a:bodyPr>
-              <a:lstStyle/>
-              <a:p>
-                <a:pPr/>
-                <a14:m>
-                  <m:oMathPara xmlns:m="http://schemas.openxmlformats.org/officeDocument/2006/math">
-                    <m:oMathParaPr>
-                      <m:jc m:val="centerGroup"/>
-                    </m:oMathParaPr>
-                    <m:oMath xmlns:m="http://schemas.openxmlformats.org/officeDocument/2006/math">
-                      <m:sSub>
-                        <m:sSubPr>
-                          <m:ctrlPr>
-                            <a:rPr lang="en-SG" i="1" smtClean="0">
-                              <a:latin typeface="Cambria Math" panose="02040503050406030204" pitchFamily="18" charset="0"/>
-                            </a:rPr>
-                          </m:ctrlPr>
-                        </m:sSubPr>
-                        <m:e>
-                          <m:r>
-                            <a:rPr lang="en-SG" i="1">
-                              <a:latin typeface="Cambria Math" panose="02040503050406030204" pitchFamily="18" charset="0"/>
-                            </a:rPr>
-                            <m:t>𝑇</m:t>
-                          </m:r>
-                        </m:e>
-                        <m:sub>
-                          <m:r>
-                            <a:rPr lang="en-SG" i="1">
-                              <a:latin typeface="Cambria Math" panose="02040503050406030204" pitchFamily="18" charset="0"/>
-                            </a:rPr>
-                            <m:t>𝑤</m:t>
-                          </m:r>
-                          <m:r>
-                            <a:rPr lang="en-SG" b="0" i="1" smtClean="0">
-                              <a:latin typeface="Cambria Math" panose="02040503050406030204" pitchFamily="18" charset="0"/>
-                            </a:rPr>
-                            <m:t>(</m:t>
-                          </m:r>
-                          <m:r>
-                            <a:rPr lang="en-SG" b="0" i="1" smtClean="0">
-                              <a:latin typeface="Cambria Math" panose="02040503050406030204" pitchFamily="18" charset="0"/>
-                            </a:rPr>
-                            <m:t>𝑚𝑖𝑛</m:t>
-                          </m:r>
-                          <m:r>
-                            <a:rPr lang="en-SG" b="0" i="1" smtClean="0">
-                              <a:latin typeface="Cambria Math" panose="02040503050406030204" pitchFamily="18" charset="0"/>
-                            </a:rPr>
-                            <m:t>)</m:t>
-                          </m:r>
-                        </m:sub>
-                      </m:sSub>
-                      <m:r>
-                        <a:rPr lang="en-SG" i="1">
-                          <a:latin typeface="Cambria Math" panose="02040503050406030204" pitchFamily="18" charset="0"/>
-                        </a:rPr>
-                        <m:t>=0.</m:t>
-                      </m:r>
-                      <m:r>
-                        <a:rPr lang="en-SG" b="0" i="1" smtClean="0">
-                          <a:latin typeface="Cambria Math" panose="02040503050406030204" pitchFamily="18" charset="0"/>
-                        </a:rPr>
-                        <m:t>119</m:t>
-                      </m:r>
-                      <m:r>
-                        <a:rPr lang="en-SG" i="1">
-                          <a:latin typeface="Cambria Math" panose="02040503050406030204" pitchFamily="18" charset="0"/>
-                        </a:rPr>
-                        <m:t>𝑁𝑚</m:t>
-                      </m:r>
-                    </m:oMath>
-                  </m:oMathPara>
-                </a14:m>
-                <a:endParaRPr lang="en-SG" dirty="0"/>
-              </a:p>
-            </p:txBody>
-          </p:sp>
-        </mc:Choice>
-        <mc:Fallback>
-          <p:sp>
-            <p:nvSpPr>
-              <p:cNvPr id="11" name="Rectangle 10">
-                <a:extLst>
-                  <a:ext uri="{FF2B5EF4-FFF2-40B4-BE49-F238E27FC236}">
-                    <a16:creationId xmlns:a16="http://schemas.microsoft.com/office/drawing/2014/main" id="{D305B447-D99E-4FB6-9103-63F406B7594A}"/>
-                  </a:ext>
-                </a:extLst>
-              </p:cNvPr>
-              <p:cNvSpPr>
-                <a:spLocks noRot="1" noChangeAspect="1" noMove="1" noResize="1" noEditPoints="1" noAdjustHandles="1" noChangeArrowheads="1" noChangeShapeType="1" noTextEdit="1"/>
-              </p:cNvSpPr>
-              <p:nvPr/>
-            </p:nvSpPr>
-            <p:spPr>
-              <a:xfrm>
-                <a:off x="8269356" y="5048913"/>
-                <a:ext cx="2200346" cy="396006"/>
-              </a:xfrm>
-              <a:prstGeom prst="rect">
-                <a:avLst/>
-              </a:prstGeom>
-              <a:blipFill>
-                <a:blip r:embed="rId3"/>
-                <a:stretch>
-                  <a:fillRect b="-9231"/>
-                </a:stretch>
-              </a:blipFill>
-            </p:spPr>
-            <p:txBody>
-              <a:bodyPr/>
-              <a:lstStyle/>
-              <a:p>
-                <a:r>
-                  <a:rPr lang="en-SG">
-                    <a:noFill/>
-                  </a:rPr>
-                  <a:t> </a:t>
-                </a:r>
-              </a:p>
-            </p:txBody>
-          </p:sp>
-        </mc:Fallback>
-      </mc:AlternateContent>
-      <mc:AlternateContent xmlns:mc="http://schemas.openxmlformats.org/markup-compatibility/2006">
-        <mc:Choice xmlns:a14="http://schemas.microsoft.com/office/drawing/2010/main" Requires="a14">
-          <p:sp>
-            <p:nvSpPr>
-              <p:cNvPr id="12" name="Rectangle 11">
-                <a:extLst>
-                  <a:ext uri="{FF2B5EF4-FFF2-40B4-BE49-F238E27FC236}">
-                    <a16:creationId xmlns:a16="http://schemas.microsoft.com/office/drawing/2014/main" id="{38D3C06E-887E-47EE-A729-0484EA4F13EC}"/>
-                  </a:ext>
-                </a:extLst>
-              </p:cNvPr>
-              <p:cNvSpPr/>
-              <p:nvPr/>
-            </p:nvSpPr>
-            <p:spPr>
-              <a:xfrm>
-                <a:off x="7684965" y="5375485"/>
-                <a:ext cx="2784737" cy="369332"/>
-              </a:xfrm>
-              <a:prstGeom prst="rect">
-                <a:avLst/>
-              </a:prstGeom>
-            </p:spPr>
-            <p:txBody>
-              <a:bodyPr wrap="none">
-                <a:spAutoFit/>
-              </a:bodyPr>
-              <a:lstStyle/>
-              <a:p>
-                <a:pPr/>
-                <a14:m>
-                  <m:oMathPara xmlns:m="http://schemas.openxmlformats.org/officeDocument/2006/math">
-                    <m:oMathParaPr>
-                      <m:jc m:val="left"/>
-                    </m:oMathParaPr>
-                    <m:oMath xmlns:m="http://schemas.openxmlformats.org/officeDocument/2006/math">
-                      <m:sSub>
-                        <m:sSubPr>
-                          <m:ctrlPr>
-                            <a:rPr lang="en-SG" i="1" smtClean="0">
-                              <a:latin typeface="Cambria Math" panose="02040503050406030204" pitchFamily="18" charset="0"/>
-                            </a:rPr>
-                          </m:ctrlPr>
-                        </m:sSubPr>
-                        <m:e>
-                          <m:r>
-                            <a:rPr lang="en-SG" i="1">
-                              <a:latin typeface="Cambria Math" panose="02040503050406030204" pitchFamily="18" charset="0"/>
-                            </a:rPr>
-                            <m:t>𝑇</m:t>
-                          </m:r>
-                        </m:e>
-                        <m:sub>
-                          <m:r>
-                            <a:rPr lang="en-SG" i="1">
-                              <a:latin typeface="Cambria Math" panose="02040503050406030204" pitchFamily="18" charset="0"/>
-                            </a:rPr>
-                            <m:t>𝑤</m:t>
-                          </m:r>
-                        </m:sub>
-                      </m:sSub>
-                      <m:r>
-                        <a:rPr lang="en-SG" i="1">
-                          <a:latin typeface="Cambria Math" panose="02040503050406030204" pitchFamily="18" charset="0"/>
-                        </a:rPr>
-                        <m:t>=0.0</m:t>
-                      </m:r>
-                      <m:r>
-                        <a:rPr lang="en-SG" b="0" i="1" smtClean="0">
-                          <a:latin typeface="Cambria Math" panose="02040503050406030204" pitchFamily="18" charset="0"/>
-                        </a:rPr>
-                        <m:t>865</m:t>
-                      </m:r>
-                      <m:r>
-                        <a:rPr lang="en-SG" i="1">
-                          <a:latin typeface="Cambria Math" panose="02040503050406030204" pitchFamily="18" charset="0"/>
-                        </a:rPr>
-                        <m:t>+</m:t>
-                      </m:r>
-                      <m:r>
-                        <a:rPr lang="en-SG">
-                          <a:latin typeface="Cambria Math" panose="02040503050406030204" pitchFamily="18" charset="0"/>
-                        </a:rPr>
-                        <m:t>0.</m:t>
-                      </m:r>
-                      <m:r>
-                        <a:rPr lang="en-SG" i="1">
-                          <a:latin typeface="Cambria Math" panose="02040503050406030204" pitchFamily="18" charset="0"/>
-                        </a:rPr>
-                        <m:t>0</m:t>
-                      </m:r>
-                      <m:r>
-                        <a:rPr lang="en-SG" b="0" i="1" smtClean="0">
-                          <a:latin typeface="Cambria Math" panose="02040503050406030204" pitchFamily="18" charset="0"/>
-                        </a:rPr>
-                        <m:t>435</m:t>
-                      </m:r>
-                      <m:sSup>
-                        <m:sSupPr>
-                          <m:ctrlPr>
-                            <a:rPr lang="en-SG" i="1">
-                              <a:latin typeface="Cambria Math" panose="02040503050406030204" pitchFamily="18" charset="0"/>
-                            </a:rPr>
-                          </m:ctrlPr>
-                        </m:sSupPr>
-                        <m:e>
-                          <m:r>
-                            <a:rPr lang="en-SG" i="1">
-                              <a:latin typeface="Cambria Math" panose="02040503050406030204" pitchFamily="18" charset="0"/>
-                            </a:rPr>
-                            <m:t>𝑡</m:t>
-                          </m:r>
-                        </m:e>
-                        <m:sup>
-                          <m:r>
-                            <a:rPr lang="en-SG" i="1">
-                              <a:latin typeface="Cambria Math" panose="02040503050406030204" pitchFamily="18" charset="0"/>
-                            </a:rPr>
-                            <m:t>−1</m:t>
-                          </m:r>
-                        </m:sup>
-                      </m:sSup>
-                    </m:oMath>
-                  </m:oMathPara>
-                </a14:m>
-                <a:endParaRPr lang="en-SG" dirty="0"/>
-              </a:p>
-            </p:txBody>
-          </p:sp>
-        </mc:Choice>
-        <mc:Fallback>
-          <p:sp>
-            <p:nvSpPr>
-              <p:cNvPr id="12" name="Rectangle 11">
-                <a:extLst>
-                  <a:ext uri="{FF2B5EF4-FFF2-40B4-BE49-F238E27FC236}">
-                    <a16:creationId xmlns:a16="http://schemas.microsoft.com/office/drawing/2014/main" id="{38D3C06E-887E-47EE-A729-0484EA4F13EC}"/>
-                  </a:ext>
-                </a:extLst>
-              </p:cNvPr>
-              <p:cNvSpPr>
-                <a:spLocks noRot="1" noChangeAspect="1" noMove="1" noResize="1" noEditPoints="1" noAdjustHandles="1" noChangeArrowheads="1" noChangeShapeType="1" noTextEdit="1"/>
-              </p:cNvSpPr>
-              <p:nvPr/>
-            </p:nvSpPr>
-            <p:spPr>
-              <a:xfrm>
-                <a:off x="7684965" y="5375485"/>
-                <a:ext cx="2784737" cy="369332"/>
-              </a:xfrm>
-              <a:prstGeom prst="rect">
-                <a:avLst/>
-              </a:prstGeom>
-              <a:blipFill>
-                <a:blip r:embed="rId4"/>
-                <a:stretch>
-                  <a:fillRect/>
-                </a:stretch>
-              </a:blipFill>
-            </p:spPr>
-            <p:txBody>
-              <a:bodyPr/>
-              <a:lstStyle/>
-              <a:p>
-                <a:r>
-                  <a:rPr lang="en-SG">
-                    <a:noFill/>
-                  </a:rPr>
-                  <a:t> </a:t>
-                </a:r>
-              </a:p>
-            </p:txBody>
-          </p:sp>
-        </mc:Fallback>
-      </mc:AlternateContent>
-      <p:graphicFrame>
-        <p:nvGraphicFramePr>
-          <p:cNvPr id="7" name="Chart 6">
-            <a:extLst>
-              <a:ext uri="{FF2B5EF4-FFF2-40B4-BE49-F238E27FC236}">
-                <a16:creationId xmlns:a16="http://schemas.microsoft.com/office/drawing/2014/main" id="{0AC9C8C6-6584-40FA-AA56-C19B28EFA8AA}"/>
-              </a:ext>
-            </a:extLst>
-          </p:cNvPr>
-          <p:cNvGraphicFramePr>
-            <a:graphicFrameLocks/>
-          </p:cNvGraphicFramePr>
-          <p:nvPr>
-            <p:extLst>
-              <p:ext uri="{D42A27DB-BD31-4B8C-83A1-F6EECF244321}">
-                <p14:modId xmlns:p14="http://schemas.microsoft.com/office/powerpoint/2010/main" val="2381986616"/>
-              </p:ext>
-            </p:extLst>
-          </p:nvPr>
-        </p:nvGraphicFramePr>
-        <p:xfrm>
-          <a:off x="2120112" y="1632886"/>
-          <a:ext cx="7465493" cy="4721226"/>
-        </p:xfrm>
-        <a:graphic>
-          <a:graphicData uri="http://schemas.openxmlformats.org/drawingml/2006/chart">
-            <c:chart xmlns:c="http://schemas.openxmlformats.org/drawingml/2006/chart" xmlns:r="http://schemas.openxmlformats.org/officeDocument/2006/relationships" r:id="rId5"/>
-          </a:graphicData>
-        </a:graphic>
-      </p:graphicFrame>
+      <p:grpSp>
+        <p:nvGrpSpPr>
+          <p:cNvPr id="3" name="Group 2">
+            <a:extLst>
+              <a:ext uri="{FF2B5EF4-FFF2-40B4-BE49-F238E27FC236}">
+                <a16:creationId xmlns:a16="http://schemas.microsoft.com/office/drawing/2014/main" id="{53449CB9-36E9-4FFD-B7A5-6F3D4BBF55BA}"/>
+              </a:ext>
+            </a:extLst>
+          </p:cNvPr>
+          <p:cNvGrpSpPr/>
+          <p:nvPr/>
+        </p:nvGrpSpPr>
+        <p:grpSpPr>
+          <a:xfrm>
+            <a:off x="838201" y="1690688"/>
+            <a:ext cx="10147852" cy="4799358"/>
+            <a:chOff x="838201" y="1690688"/>
+            <a:chExt cx="10147852" cy="4799358"/>
+          </a:xfrm>
+        </p:grpSpPr>
+        <mc:AlternateContent xmlns:mc="http://schemas.openxmlformats.org/markup-compatibility/2006" xmlns:a14="http://schemas.microsoft.com/office/drawing/2010/main">
+          <mc:Choice Requires="a14">
+            <p:sp>
+              <p:nvSpPr>
+                <p:cNvPr id="10" name="TextBox 9">
+                  <a:extLst>
+                    <a:ext uri="{FF2B5EF4-FFF2-40B4-BE49-F238E27FC236}">
+                      <a16:creationId xmlns:a16="http://schemas.microsoft.com/office/drawing/2014/main" id="{4BAD5093-C175-486B-850C-342E5A2C77E9}"/>
+                    </a:ext>
+                  </a:extLst>
+                </p:cNvPr>
+                <p:cNvSpPr txBox="1"/>
+                <p:nvPr/>
+              </p:nvSpPr>
+              <p:spPr>
+                <a:xfrm>
+                  <a:off x="8271615" y="5916742"/>
+                  <a:ext cx="2252870" cy="369332"/>
+                </a:xfrm>
+                <a:prstGeom prst="rect">
+                  <a:avLst/>
+                </a:prstGeom>
+                <a:noFill/>
+              </p:spPr>
+              <p:txBody>
+                <a:bodyPr wrap="square" rtlCol="0">
+                  <a:spAutoFit/>
+                </a:bodyPr>
+                <a:lstStyle/>
+                <a:p>
+                  <a:pPr/>
+                  <a14:m>
+                    <m:oMathPara xmlns:m="http://schemas.openxmlformats.org/officeDocument/2006/math">
+                      <m:oMathParaPr>
+                        <m:jc m:val="centerGroup"/>
+                      </m:oMathParaPr>
+                      <m:oMath xmlns:m="http://schemas.openxmlformats.org/officeDocument/2006/math">
+                        <m:sSub>
+                          <m:sSubPr>
+                            <m:ctrlPr>
+                              <a:rPr lang="en-SG" i="1" smtClean="0">
+                                <a:latin typeface="Cambria Math" panose="02040503050406030204" pitchFamily="18" charset="0"/>
+                                <a:ea typeface="Cambria Math" panose="02040503050406030204" pitchFamily="18" charset="0"/>
+                              </a:rPr>
+                            </m:ctrlPr>
+                          </m:sSubPr>
+                          <m:e>
+                            <m:r>
+                              <a:rPr lang="en-SG" i="1">
+                                <a:latin typeface="Cambria Math" panose="02040503050406030204" pitchFamily="18" charset="0"/>
+                                <a:ea typeface="Cambria Math" panose="02040503050406030204" pitchFamily="18" charset="0"/>
+                              </a:rPr>
+                              <m:t>𝑇</m:t>
+                            </m:r>
+                          </m:e>
+                          <m:sub>
+                            <m:r>
+                              <a:rPr lang="en-SG" i="1">
+                                <a:latin typeface="Cambria Math" panose="02040503050406030204" pitchFamily="18" charset="0"/>
+                                <a:ea typeface="Cambria Math" panose="02040503050406030204" pitchFamily="18" charset="0"/>
+                              </a:rPr>
+                              <m:t>𝑚𝑎𝑥𝑇</m:t>
+                            </m:r>
+                          </m:sub>
+                        </m:sSub>
+                        <m:r>
+                          <a:rPr lang="en-SG" i="1">
+                            <a:latin typeface="Cambria Math" panose="02040503050406030204" pitchFamily="18" charset="0"/>
+                            <a:ea typeface="Cambria Math" panose="02040503050406030204" pitchFamily="18" charset="0"/>
+                          </a:rPr>
+                          <m:t>=0.</m:t>
+                        </m:r>
+                        <m:r>
+                          <a:rPr lang="en-SG" b="0" i="1" smtClean="0">
+                            <a:latin typeface="Cambria Math" panose="02040503050406030204" pitchFamily="18" charset="0"/>
+                            <a:ea typeface="Cambria Math" panose="02040503050406030204" pitchFamily="18" charset="0"/>
+                          </a:rPr>
+                          <m:t>0427</m:t>
+                        </m:r>
+                        <m:r>
+                          <a:rPr lang="en-SG" i="1">
+                            <a:latin typeface="Cambria Math" panose="02040503050406030204" pitchFamily="18" charset="0"/>
+                            <a:ea typeface="Cambria Math" panose="02040503050406030204" pitchFamily="18" charset="0"/>
+                          </a:rPr>
+                          <m:t>𝑁𝑚</m:t>
+                        </m:r>
+                      </m:oMath>
+                    </m:oMathPara>
+                  </a14:m>
+                  <a:endParaRPr lang="en-SG" dirty="0"/>
+                </a:p>
+              </p:txBody>
+            </p:sp>
+          </mc:Choice>
+          <mc:Fallback xmlns="">
+            <p:sp>
+              <p:nvSpPr>
+                <p:cNvPr id="10" name="TextBox 9">
+                  <a:extLst>
+                    <a:ext uri="{FF2B5EF4-FFF2-40B4-BE49-F238E27FC236}">
+                      <a16:creationId xmlns:a16="http://schemas.microsoft.com/office/drawing/2014/main" id="{4BAD5093-C175-486B-850C-342E5A2C77E9}"/>
+                    </a:ext>
+                  </a:extLst>
+                </p:cNvPr>
+                <p:cNvSpPr txBox="1">
+                  <a:spLocks noRot="1" noChangeAspect="1" noMove="1" noResize="1" noEditPoints="1" noAdjustHandles="1" noChangeArrowheads="1" noChangeShapeType="1" noTextEdit="1"/>
+                </p:cNvSpPr>
+                <p:nvPr/>
+              </p:nvSpPr>
+              <p:spPr>
+                <a:xfrm>
+                  <a:off x="8271615" y="5916742"/>
+                  <a:ext cx="2252870" cy="369332"/>
+                </a:xfrm>
+                <a:prstGeom prst="rect">
+                  <a:avLst/>
+                </a:prstGeom>
+                <a:blipFill>
+                  <a:blip r:embed="rId2"/>
+                  <a:stretch>
+                    <a:fillRect/>
+                  </a:stretch>
+                </a:blipFill>
+              </p:spPr>
+              <p:txBody>
+                <a:bodyPr/>
+                <a:lstStyle/>
+                <a:p>
+                  <a:r>
+                    <a:rPr lang="en-SG">
+                      <a:noFill/>
+                    </a:rPr>
+                    <a:t> </a:t>
+                  </a:r>
+                </a:p>
+              </p:txBody>
+            </p:sp>
+          </mc:Fallback>
+        </mc:AlternateContent>
+        <mc:AlternateContent xmlns:mc="http://schemas.openxmlformats.org/markup-compatibility/2006" xmlns:a14="http://schemas.microsoft.com/office/drawing/2010/main">
+          <mc:Choice Requires="a14">
+            <p:sp>
+              <p:nvSpPr>
+                <p:cNvPr id="11" name="Rectangle 10">
+                  <a:extLst>
+                    <a:ext uri="{FF2B5EF4-FFF2-40B4-BE49-F238E27FC236}">
+                      <a16:creationId xmlns:a16="http://schemas.microsoft.com/office/drawing/2014/main" id="{D305B447-D99E-4FB6-9103-63F406B7594A}"/>
+                    </a:ext>
+                  </a:extLst>
+                </p:cNvPr>
+                <p:cNvSpPr/>
+                <p:nvPr/>
+              </p:nvSpPr>
+              <p:spPr>
+                <a:xfrm>
+                  <a:off x="8327289" y="4969309"/>
+                  <a:ext cx="2200346" cy="396006"/>
+                </a:xfrm>
+                <a:prstGeom prst="rect">
+                  <a:avLst/>
+                </a:prstGeom>
+              </p:spPr>
+              <p:txBody>
+                <a:bodyPr wrap="none">
+                  <a:spAutoFit/>
+                </a:bodyPr>
+                <a:lstStyle/>
+                <a:p>
+                  <a:pPr/>
+                  <a14:m>
+                    <m:oMathPara xmlns:m="http://schemas.openxmlformats.org/officeDocument/2006/math">
+                      <m:oMathParaPr>
+                        <m:jc m:val="centerGroup"/>
+                      </m:oMathParaPr>
+                      <m:oMath xmlns:m="http://schemas.openxmlformats.org/officeDocument/2006/math">
+                        <m:sSub>
+                          <m:sSubPr>
+                            <m:ctrlPr>
+                              <a:rPr lang="en-SG" i="1" smtClean="0">
+                                <a:latin typeface="Cambria Math" panose="02040503050406030204" pitchFamily="18" charset="0"/>
+                              </a:rPr>
+                            </m:ctrlPr>
+                          </m:sSubPr>
+                          <m:e>
+                            <m:r>
+                              <a:rPr lang="en-SG" i="1">
+                                <a:latin typeface="Cambria Math" panose="02040503050406030204" pitchFamily="18" charset="0"/>
+                              </a:rPr>
+                              <m:t>𝑇</m:t>
+                            </m:r>
+                          </m:e>
+                          <m:sub>
+                            <m:r>
+                              <a:rPr lang="en-SG" i="1">
+                                <a:latin typeface="Cambria Math" panose="02040503050406030204" pitchFamily="18" charset="0"/>
+                              </a:rPr>
+                              <m:t>𝑤</m:t>
+                            </m:r>
+                            <m:r>
+                              <a:rPr lang="en-SG" b="0" i="1" smtClean="0">
+                                <a:latin typeface="Cambria Math" panose="02040503050406030204" pitchFamily="18" charset="0"/>
+                              </a:rPr>
+                              <m:t>(</m:t>
+                            </m:r>
+                            <m:r>
+                              <a:rPr lang="en-SG" b="0" i="1" smtClean="0">
+                                <a:latin typeface="Cambria Math" panose="02040503050406030204" pitchFamily="18" charset="0"/>
+                              </a:rPr>
+                              <m:t>𝑚𝑖𝑛</m:t>
+                            </m:r>
+                            <m:r>
+                              <a:rPr lang="en-SG" b="0" i="1" smtClean="0">
+                                <a:latin typeface="Cambria Math" panose="02040503050406030204" pitchFamily="18" charset="0"/>
+                              </a:rPr>
+                              <m:t>)</m:t>
+                            </m:r>
+                          </m:sub>
+                        </m:sSub>
+                        <m:r>
+                          <a:rPr lang="en-SG" i="1">
+                            <a:latin typeface="Cambria Math" panose="02040503050406030204" pitchFamily="18" charset="0"/>
+                          </a:rPr>
+                          <m:t>=0.</m:t>
+                        </m:r>
+                        <m:r>
+                          <a:rPr lang="en-SG" b="0" i="1" smtClean="0">
+                            <a:latin typeface="Cambria Math" panose="02040503050406030204" pitchFamily="18" charset="0"/>
+                          </a:rPr>
+                          <m:t>115</m:t>
+                        </m:r>
+                        <m:r>
+                          <a:rPr lang="en-SG" i="1">
+                            <a:latin typeface="Cambria Math" panose="02040503050406030204" pitchFamily="18" charset="0"/>
+                          </a:rPr>
+                          <m:t>𝑁𝑚</m:t>
+                        </m:r>
+                      </m:oMath>
+                    </m:oMathPara>
+                  </a14:m>
+                  <a:endParaRPr lang="en-SG" dirty="0"/>
+                </a:p>
+              </p:txBody>
+            </p:sp>
+          </mc:Choice>
+          <mc:Fallback xmlns="">
+            <p:sp>
+              <p:nvSpPr>
+                <p:cNvPr id="11" name="Rectangle 10">
+                  <a:extLst>
+                    <a:ext uri="{FF2B5EF4-FFF2-40B4-BE49-F238E27FC236}">
+                      <a16:creationId xmlns:a16="http://schemas.microsoft.com/office/drawing/2014/main" id="{D305B447-D99E-4FB6-9103-63F406B7594A}"/>
+                    </a:ext>
+                  </a:extLst>
+                </p:cNvPr>
+                <p:cNvSpPr>
+                  <a:spLocks noRot="1" noChangeAspect="1" noMove="1" noResize="1" noEditPoints="1" noAdjustHandles="1" noChangeArrowheads="1" noChangeShapeType="1" noTextEdit="1"/>
+                </p:cNvSpPr>
+                <p:nvPr/>
+              </p:nvSpPr>
+              <p:spPr>
+                <a:xfrm>
+                  <a:off x="8327289" y="4969309"/>
+                  <a:ext cx="2200346" cy="396006"/>
+                </a:xfrm>
+                <a:prstGeom prst="rect">
+                  <a:avLst/>
+                </a:prstGeom>
+                <a:blipFill>
+                  <a:blip r:embed="rId3"/>
+                  <a:stretch>
+                    <a:fillRect b="-9231"/>
+                  </a:stretch>
+                </a:blipFill>
+              </p:spPr>
+              <p:txBody>
+                <a:bodyPr/>
+                <a:lstStyle/>
+                <a:p>
+                  <a:r>
+                    <a:rPr lang="en-SG">
+                      <a:noFill/>
+                    </a:rPr>
+                    <a:t> </a:t>
+                  </a:r>
+                </a:p>
+              </p:txBody>
+            </p:sp>
+          </mc:Fallback>
+        </mc:AlternateContent>
+        <mc:AlternateContent xmlns:mc="http://schemas.openxmlformats.org/markup-compatibility/2006" xmlns:a14="http://schemas.microsoft.com/office/drawing/2010/main">
+          <mc:Choice Requires="a14">
+            <p:sp>
+              <p:nvSpPr>
+                <p:cNvPr id="12" name="Rectangle 11">
+                  <a:extLst>
+                    <a:ext uri="{FF2B5EF4-FFF2-40B4-BE49-F238E27FC236}">
+                      <a16:creationId xmlns:a16="http://schemas.microsoft.com/office/drawing/2014/main" id="{38D3C06E-887E-47EE-A729-0484EA4F13EC}"/>
+                    </a:ext>
+                  </a:extLst>
+                </p:cNvPr>
+                <p:cNvSpPr/>
+                <p:nvPr/>
+              </p:nvSpPr>
+              <p:spPr>
+                <a:xfrm>
+                  <a:off x="8005682" y="5487085"/>
+                  <a:ext cx="2784737" cy="369332"/>
+                </a:xfrm>
+                <a:prstGeom prst="rect">
+                  <a:avLst/>
+                </a:prstGeom>
+              </p:spPr>
+              <p:txBody>
+                <a:bodyPr wrap="none">
+                  <a:spAutoFit/>
+                </a:bodyPr>
+                <a:lstStyle/>
+                <a:p>
+                  <a:pPr/>
+                  <a14:m>
+                    <m:oMathPara xmlns:m="http://schemas.openxmlformats.org/officeDocument/2006/math">
+                      <m:oMathParaPr>
+                        <m:jc m:val="left"/>
+                      </m:oMathParaPr>
+                      <m:oMath xmlns:m="http://schemas.openxmlformats.org/officeDocument/2006/math">
+                        <m:sSub>
+                          <m:sSubPr>
+                            <m:ctrlPr>
+                              <a:rPr lang="en-SG" i="1" smtClean="0">
+                                <a:latin typeface="Cambria Math" panose="02040503050406030204" pitchFamily="18" charset="0"/>
+                              </a:rPr>
+                            </m:ctrlPr>
+                          </m:sSubPr>
+                          <m:e>
+                            <m:r>
+                              <a:rPr lang="en-SG" i="1">
+                                <a:latin typeface="Cambria Math" panose="02040503050406030204" pitchFamily="18" charset="0"/>
+                              </a:rPr>
+                              <m:t>𝑇</m:t>
+                            </m:r>
+                          </m:e>
+                          <m:sub>
+                            <m:r>
+                              <a:rPr lang="en-SG" i="1">
+                                <a:latin typeface="Cambria Math" panose="02040503050406030204" pitchFamily="18" charset="0"/>
+                              </a:rPr>
+                              <m:t>𝑤</m:t>
+                            </m:r>
+                          </m:sub>
+                        </m:sSub>
+                        <m:r>
+                          <a:rPr lang="en-SG" i="1">
+                            <a:latin typeface="Cambria Math" panose="02040503050406030204" pitchFamily="18" charset="0"/>
+                          </a:rPr>
+                          <m:t>=0.0</m:t>
+                        </m:r>
+                        <m:r>
+                          <a:rPr lang="en-SG" b="0" i="1" smtClean="0">
+                            <a:latin typeface="Cambria Math" panose="02040503050406030204" pitchFamily="18" charset="0"/>
+                          </a:rPr>
+                          <m:t>958</m:t>
+                        </m:r>
+                        <m:r>
+                          <a:rPr lang="en-SG" i="1">
+                            <a:latin typeface="Cambria Math" panose="02040503050406030204" pitchFamily="18" charset="0"/>
+                          </a:rPr>
+                          <m:t>+</m:t>
+                        </m:r>
+                        <m:r>
+                          <a:rPr lang="en-SG">
+                            <a:latin typeface="Cambria Math" panose="02040503050406030204" pitchFamily="18" charset="0"/>
+                          </a:rPr>
+                          <m:t>0.</m:t>
+                        </m:r>
+                        <m:r>
+                          <a:rPr lang="en-SG" i="1">
+                            <a:latin typeface="Cambria Math" panose="02040503050406030204" pitchFamily="18" charset="0"/>
+                          </a:rPr>
+                          <m:t>0</m:t>
+                        </m:r>
+                        <m:r>
+                          <a:rPr lang="en-SG" b="0" i="1" smtClean="0">
+                            <a:latin typeface="Cambria Math" panose="02040503050406030204" pitchFamily="18" charset="0"/>
+                          </a:rPr>
+                          <m:t>435</m:t>
+                        </m:r>
+                        <m:sSup>
+                          <m:sSupPr>
+                            <m:ctrlPr>
+                              <a:rPr lang="en-SG" i="1">
+                                <a:latin typeface="Cambria Math" panose="02040503050406030204" pitchFamily="18" charset="0"/>
+                              </a:rPr>
+                            </m:ctrlPr>
+                          </m:sSupPr>
+                          <m:e>
+                            <m:r>
+                              <a:rPr lang="en-SG" i="1">
+                                <a:latin typeface="Cambria Math" panose="02040503050406030204" pitchFamily="18" charset="0"/>
+                              </a:rPr>
+                              <m:t>𝑡</m:t>
+                            </m:r>
+                          </m:e>
+                          <m:sup>
+                            <m:r>
+                              <a:rPr lang="en-SG" i="1">
+                                <a:latin typeface="Cambria Math" panose="02040503050406030204" pitchFamily="18" charset="0"/>
+                              </a:rPr>
+                              <m:t>−1</m:t>
+                            </m:r>
+                          </m:sup>
+                        </m:sSup>
+                      </m:oMath>
+                    </m:oMathPara>
+                  </a14:m>
+                  <a:endParaRPr lang="en-SG" dirty="0"/>
+                </a:p>
+              </p:txBody>
+            </p:sp>
+          </mc:Choice>
+          <mc:Fallback xmlns="">
+            <p:sp>
+              <p:nvSpPr>
+                <p:cNvPr id="12" name="Rectangle 11">
+                  <a:extLst>
+                    <a:ext uri="{FF2B5EF4-FFF2-40B4-BE49-F238E27FC236}">
+                      <a16:creationId xmlns:a16="http://schemas.microsoft.com/office/drawing/2014/main" id="{38D3C06E-887E-47EE-A729-0484EA4F13EC}"/>
+                    </a:ext>
+                  </a:extLst>
+                </p:cNvPr>
+                <p:cNvSpPr>
+                  <a:spLocks noRot="1" noChangeAspect="1" noMove="1" noResize="1" noEditPoints="1" noAdjustHandles="1" noChangeArrowheads="1" noChangeShapeType="1" noTextEdit="1"/>
+                </p:cNvSpPr>
+                <p:nvPr/>
+              </p:nvSpPr>
+              <p:spPr>
+                <a:xfrm>
+                  <a:off x="8005682" y="5487085"/>
+                  <a:ext cx="2784737" cy="369332"/>
+                </a:xfrm>
+                <a:prstGeom prst="rect">
+                  <a:avLst/>
+                </a:prstGeom>
+                <a:blipFill>
+                  <a:blip r:embed="rId4"/>
+                  <a:stretch>
+                    <a:fillRect/>
+                  </a:stretch>
+                </a:blipFill>
+              </p:spPr>
+              <p:txBody>
+                <a:bodyPr/>
+                <a:lstStyle/>
+                <a:p>
+                  <a:r>
+                    <a:rPr lang="en-SG">
+                      <a:noFill/>
+                    </a:rPr>
+                    <a:t> </a:t>
+                  </a:r>
+                </a:p>
+              </p:txBody>
+            </p:sp>
+          </mc:Fallback>
+        </mc:AlternateContent>
+        <mc:AlternateContent xmlns:mc="http://schemas.openxmlformats.org/markup-compatibility/2006" xmlns:a14="http://schemas.microsoft.com/office/drawing/2010/main">
+          <mc:Choice Requires="a14">
+            <p:graphicFrame>
+              <p:nvGraphicFramePr>
+                <p:cNvPr id="8" name="Chart 7">
+                  <a:extLst>
+                    <a:ext uri="{FF2B5EF4-FFF2-40B4-BE49-F238E27FC236}">
+                      <a16:creationId xmlns:a16="http://schemas.microsoft.com/office/drawing/2014/main" id="{0AC9C8C6-6584-40FA-AA56-C19B28EFA8AA}"/>
+                    </a:ext>
+                  </a:extLst>
+                </p:cNvPr>
+                <p:cNvGraphicFramePr>
+                  <a:graphicFrameLocks/>
+                </p:cNvGraphicFramePr>
+                <p:nvPr>
+                  <p:extLst>
+                    <p:ext uri="{D42A27DB-BD31-4B8C-83A1-F6EECF244321}">
+                      <p14:modId xmlns:p14="http://schemas.microsoft.com/office/powerpoint/2010/main" val="2279112420"/>
+                    </p:ext>
+                  </p:extLst>
+                </p:nvPr>
+              </p:nvGraphicFramePr>
+              <p:xfrm>
+                <a:off x="838201" y="1690688"/>
+                <a:ext cx="10147852" cy="4799358"/>
+              </p:xfrm>
+              <a:graphic>
+                <a:graphicData uri="http://schemas.openxmlformats.org/drawingml/2006/chart">
+                  <c:chart xmlns:c="http://schemas.openxmlformats.org/drawingml/2006/chart" xmlns:r="http://schemas.openxmlformats.org/officeDocument/2006/relationships" r:id="rId5"/>
+                </a:graphicData>
+              </a:graphic>
+            </p:graphicFrame>
+          </mc:Choice>
+          <mc:Fallback xmlns="">
+            <p:graphicFrame>
+              <p:nvGraphicFramePr>
+                <p:cNvPr id="8" name="Chart 7">
+                  <a:extLst>
+                    <a:ext uri="{FF2B5EF4-FFF2-40B4-BE49-F238E27FC236}">
+                      <a16:creationId xmlns:a16="http://schemas.microsoft.com/office/drawing/2014/main" id="{0AC9C8C6-6584-40FA-AA56-C19B28EFA8AA}"/>
+                    </a:ext>
+                  </a:extLst>
+                </p:cNvPr>
+                <p:cNvGraphicFramePr>
+                  <a:graphicFrameLocks/>
+                </p:cNvGraphicFramePr>
+                <p:nvPr>
+                  <p:extLst>
+                    <p:ext uri="{D42A27DB-BD31-4B8C-83A1-F6EECF244321}">
+                      <p14:modId xmlns:p14="http://schemas.microsoft.com/office/powerpoint/2010/main" val="2279112420"/>
+                    </p:ext>
+                  </p:extLst>
+                </p:nvPr>
+              </p:nvGraphicFramePr>
+              <p:xfrm>
+                <a:off x="838201" y="1690688"/>
+                <a:ext cx="10147852" cy="4799358"/>
+              </p:xfrm>
+              <a:graphic>
+                <a:graphicData uri="http://schemas.openxmlformats.org/drawingml/2006/chart">
+                  <c:chart xmlns:c="http://schemas.openxmlformats.org/drawingml/2006/chart" xmlns:r="http://schemas.openxmlformats.org/officeDocument/2006/relationships" r:id="rId6"/>
+                </a:graphicData>
+              </a:graphic>
+            </p:graphicFrame>
+          </mc:Fallback>
+        </mc:AlternateContent>
+      </p:grpSp>
     </p:spTree>
     <p:extLst>
       <p:ext uri="{BB962C8B-B14F-4D97-AF65-F5344CB8AC3E}">
@@ -7356,7 +7273,7 @@
                 <a:latin typeface="Arial" panose="020B0604020202020204" pitchFamily="34" charset="0"/>
                 <a:cs typeface="Arial" panose="020B0604020202020204" pitchFamily="34" charset="0"/>
               </a:rPr>
-              <a:t>Minimum torque = 0.0952Nm</a:t>
+              <a:t>Minimum torque = 0.115Nm</a:t>
             </a:r>
           </a:p>
           <a:p>
@@ -9593,13 +9510,13 @@
                 <a:latin typeface="Arial" panose="020B0604020202020204" pitchFamily="34" charset="0"/>
                 <a:cs typeface="Arial" panose="020B0604020202020204" pitchFamily="34" charset="0"/>
               </a:rPr>
-              <a:t>Calculations</a:t>
+              <a:t>Min Torque Calculations (Part 1)</a:t>
             </a:r>
           </a:p>
         </p:txBody>
       </p:sp>
-      <mc:AlternateContent xmlns:mc="http://schemas.openxmlformats.org/markup-compatibility/2006">
-        <mc:Choice xmlns:a14="http://schemas.microsoft.com/office/drawing/2010/main" Requires="a14">
+      <mc:AlternateContent xmlns:mc="http://schemas.openxmlformats.org/markup-compatibility/2006" xmlns:a14="http://schemas.microsoft.com/office/drawing/2010/main">
+        <mc:Choice Requires="a14">
           <p:sp>
             <p:nvSpPr>
               <p:cNvPr id="3" name="Content Placeholder 2">
@@ -9763,28 +9680,14 @@
                         <a:rPr lang="en-SG" b="0" i="1" smtClean="0">
                           <a:latin typeface="Cambria Math" panose="02040503050406030204" pitchFamily="18" charset="0"/>
                         </a:rPr>
-                        <m:t>=0.029</m:t>
+                        <m:t>=0.022</m:t>
                       </m:r>
                       <m:r>
                         <a:rPr lang="en-SG" b="0" i="1" smtClean="0">
                           <a:latin typeface="Cambria Math" panose="02040503050406030204" pitchFamily="18" charset="0"/>
                           <a:ea typeface="Cambria Math" panose="02040503050406030204" pitchFamily="18" charset="0"/>
                         </a:rPr>
-                        <m:t>×1</m:t>
-                      </m:r>
-                      <m:r>
-                        <a:rPr lang="en-SG" b="0" i="1" smtClean="0">
-                          <a:latin typeface="Cambria Math" panose="02040503050406030204" pitchFamily="18" charset="0"/>
-                          <a:ea typeface="Cambria Math" panose="02040503050406030204" pitchFamily="18" charset="0"/>
-                        </a:rPr>
-                        <m:t>.5</m:t>
-                      </m:r>
-                      <m:r>
-                        <a:rPr lang="en-SG" b="0" i="1" smtClean="0">
-                          <a:latin typeface="Cambria Math" panose="02040503050406030204" pitchFamily="18" charset="0"/>
-                          <a:ea typeface="Cambria Math" panose="02040503050406030204" pitchFamily="18" charset="0"/>
-                        </a:rPr>
-                        <m:t>×9.81</m:t>
+                        <m:t>×1.5×9.81</m:t>
                       </m:r>
                     </m:oMath>
                   </m:oMathPara>
@@ -9838,13 +9741,7 @@
                         <a:rPr lang="en-SG" b="0" i="1" smtClean="0">
                           <a:latin typeface="Cambria Math" panose="02040503050406030204" pitchFamily="18" charset="0"/>
                         </a:rPr>
-                        <m:t>0.</m:t>
-                      </m:r>
-                      <m:r>
-                        <a:rPr lang="en-SG" b="0" i="1" smtClean="0">
-                          <a:latin typeface="Cambria Math" panose="02040503050406030204" pitchFamily="18" charset="0"/>
-                        </a:rPr>
-                        <m:t>427</m:t>
+                        <m:t>0.324</m:t>
                       </m:r>
                       <m:r>
                         <a:rPr lang="en-SG" b="0" i="1" smtClean="0">
@@ -9984,13 +9881,7 @@
                         <a:rPr lang="en-SG" b="0" i="1" smtClean="0">
                           <a:latin typeface="Cambria Math" panose="02040503050406030204" pitchFamily="18" charset="0"/>
                         </a:rPr>
-                        <m:t>=1</m:t>
-                      </m:r>
-                      <m:r>
-                        <a:rPr lang="en-SG" b="0" i="1" smtClean="0">
-                          <a:latin typeface="Cambria Math" panose="02040503050406030204" pitchFamily="18" charset="0"/>
-                        </a:rPr>
-                        <m:t>.5</m:t>
+                        <m:t>=1.5</m:t>
                       </m:r>
                       <m:r>
                         <a:rPr lang="en-SG" b="0" i="1" smtClean="0">
@@ -10082,13 +9973,7 @@
                         <a:rPr lang="en-SG" b="0" i="1" smtClean="0">
                           <a:latin typeface="Cambria Math" panose="02040503050406030204" pitchFamily="18" charset="0"/>
                         </a:rPr>
-                        <m:t>2.</m:t>
-                      </m:r>
-                      <m:r>
-                        <a:rPr lang="en-SG" b="0" i="1" smtClean="0">
-                          <a:latin typeface="Cambria Math" panose="02040503050406030204" pitchFamily="18" charset="0"/>
-                        </a:rPr>
-                        <m:t>555</m:t>
+                        <m:t>2.555</m:t>
                       </m:r>
                       <m:r>
                         <a:rPr lang="en-SG" b="0" i="1" smtClean="0">
@@ -10213,21 +10098,7 @@
                           <a:latin typeface="Cambria Math" panose="02040503050406030204" pitchFamily="18" charset="0"/>
                           <a:ea typeface="Cambria Math" panose="02040503050406030204" pitchFamily="18" charset="0"/>
                         </a:rPr>
-                        <m:t>=1.</m:t>
-                      </m:r>
-                      <m:r>
-                        <a:rPr lang="en-SG" b="0" i="1" smtClean="0">
-                          <a:latin typeface="Cambria Math" panose="02040503050406030204" pitchFamily="18" charset="0"/>
-                          <a:ea typeface="Cambria Math" panose="02040503050406030204" pitchFamily="18" charset="0"/>
-                        </a:rPr>
-                        <m:t>5</m:t>
-                      </m:r>
-                      <m:r>
-                        <a:rPr lang="en-SG" b="0" i="1" smtClean="0">
-                          <a:latin typeface="Cambria Math" panose="02040503050406030204" pitchFamily="18" charset="0"/>
-                          <a:ea typeface="Cambria Math" panose="02040503050406030204" pitchFamily="18" charset="0"/>
-                        </a:rPr>
-                        <m:t>×</m:t>
+                        <m:t>=1.5×</m:t>
                       </m:r>
                       <m:d>
                         <m:dPr>
@@ -10298,14 +10169,7 @@
                           <a:latin typeface="Cambria Math" panose="02040503050406030204" pitchFamily="18" charset="0"/>
                           <a:ea typeface="Cambria Math" panose="02040503050406030204" pitchFamily="18" charset="0"/>
                         </a:rPr>
-                        <m:t>=0.</m:t>
-                      </m:r>
-                      <m:r>
-                        <a:rPr lang="en-SG" b="0" i="1" smtClean="0">
-                          <a:latin typeface="Cambria Math" panose="02040503050406030204" pitchFamily="18" charset="0"/>
-                          <a:ea typeface="Cambria Math" panose="02040503050406030204" pitchFamily="18" charset="0"/>
-                        </a:rPr>
-                        <m:t>75</m:t>
+                        <m:t>=0.75</m:t>
                       </m:r>
                       <m:r>
                         <a:rPr lang="en-SG" b="0" i="1" smtClean="0">
@@ -10338,7 +10202,7 @@
             </p:txBody>
           </p:sp>
         </mc:Choice>
-        <mc:Fallback>
+        <mc:Fallback xmlns="">
           <p:sp>
             <p:nvSpPr>
               <p:cNvPr id="3" name="Content Placeholder 2">
@@ -10437,13 +10301,13 @@
                 <a:latin typeface="Arial" panose="020B0604020202020204" pitchFamily="34" charset="0"/>
                 <a:cs typeface="Arial" panose="020B0604020202020204" pitchFamily="34" charset="0"/>
               </a:rPr>
-              <a:t>Calculations</a:t>
+              <a:t>Min Torque Calculations (Part 2)</a:t>
             </a:r>
           </a:p>
         </p:txBody>
       </p:sp>
-      <mc:AlternateContent xmlns:mc="http://schemas.openxmlformats.org/markup-compatibility/2006">
-        <mc:Choice xmlns:a14="http://schemas.microsoft.com/office/drawing/2010/main" Requires="a14">
+      <mc:AlternateContent xmlns:mc="http://schemas.openxmlformats.org/markup-compatibility/2006" xmlns:a14="http://schemas.microsoft.com/office/drawing/2010/main">
+        <mc:Choice Requires="a14">
           <p:sp>
             <p:nvSpPr>
               <p:cNvPr id="3" name="Content Placeholder 2">
@@ -10724,37 +10588,7 @@
                         <a:rPr lang="en-SG" b="0" i="1" smtClean="0">
                           <a:latin typeface="Cambria Math" panose="02040503050406030204" pitchFamily="18" charset="0"/>
                         </a:rPr>
-                        <m:t>=0.</m:t>
-                      </m:r>
-                      <m:r>
-                        <a:rPr lang="en-SG" b="0" i="1" smtClean="0">
-                          <a:latin typeface="Cambria Math" panose="02040503050406030204" pitchFamily="18" charset="0"/>
-                        </a:rPr>
-                        <m:t>427</m:t>
-                      </m:r>
-                      <m:r>
-                        <a:rPr lang="en-SG" b="0" i="1" smtClean="0">
-                          <a:latin typeface="Cambria Math" panose="02040503050406030204" pitchFamily="18" charset="0"/>
-                        </a:rPr>
-                        <m:t>+2.</m:t>
-                      </m:r>
-                      <m:r>
-                        <a:rPr lang="en-SG" b="0" i="1" smtClean="0">
-                          <a:latin typeface="Cambria Math" panose="02040503050406030204" pitchFamily="18" charset="0"/>
-                        </a:rPr>
-                        <m:t>555</m:t>
-                      </m:r>
-                      <m:r>
-                        <a:rPr lang="en-SG" b="0" i="1" smtClean="0">
-                          <a:latin typeface="Cambria Math" panose="02040503050406030204" pitchFamily="18" charset="0"/>
-                        </a:rPr>
-                        <m:t>+0.</m:t>
-                      </m:r>
-                      <m:r>
-                        <a:rPr lang="en-SG" b="0" i="1" smtClean="0">
-                          <a:latin typeface="Cambria Math" panose="02040503050406030204" pitchFamily="18" charset="0"/>
-                        </a:rPr>
-                        <m:t>7.5</m:t>
+                        <m:t>=0.324+2.555+0.75</m:t>
                       </m:r>
                     </m:oMath>
                   </m:oMathPara>
@@ -10802,13 +10636,7 @@
                         <a:rPr lang="en-SG" b="0" i="1" smtClean="0">
                           <a:latin typeface="Cambria Math" panose="02040503050406030204" pitchFamily="18" charset="0"/>
                         </a:rPr>
-                        <m:t>=</m:t>
-                      </m:r>
-                      <m:r>
-                        <a:rPr lang="en-SG" b="0" i="1" smtClean="0">
-                          <a:latin typeface="Cambria Math" panose="02040503050406030204" pitchFamily="18" charset="0"/>
-                        </a:rPr>
-                        <m:t>3.732</m:t>
+                        <m:t>=3.629</m:t>
                       </m:r>
                       <m:r>
                         <a:rPr lang="en-SG" b="0" i="1" smtClean="0">
@@ -10968,7 +10796,7 @@
                         <a:rPr lang="en-SG" b="0" i="1" smtClean="0">
                           <a:latin typeface="Cambria Math" panose="02040503050406030204" pitchFamily="18" charset="0"/>
                         </a:rPr>
-                        <m:t>=2.985</m:t>
+                        <m:t>=3.629</m:t>
                       </m:r>
                       <m:r>
                         <a:rPr lang="en-SG" b="0" i="1" smtClean="0">
@@ -11023,13 +10851,7 @@
                         <a:rPr lang="en-SG" b="0" i="1" smtClean="0">
                           <a:latin typeface="Cambria Math" panose="02040503050406030204" pitchFamily="18" charset="0"/>
                         </a:rPr>
-                        <m:t>=0.</m:t>
-                      </m:r>
-                      <m:r>
-                        <a:rPr lang="en-SG" b="0" i="1" smtClean="0">
-                          <a:latin typeface="Cambria Math" panose="02040503050406030204" pitchFamily="18" charset="0"/>
-                        </a:rPr>
-                        <m:t>119</m:t>
+                        <m:t>=0.115</m:t>
                       </m:r>
                       <m:r>
                         <a:rPr lang="en-SG" b="0" i="1" smtClean="0">
@@ -11051,7 +10873,7 @@
             </p:txBody>
           </p:sp>
         </mc:Choice>
-        <mc:Fallback>
+        <mc:Fallback xmlns="">
           <p:sp>
             <p:nvSpPr>
               <p:cNvPr id="3" name="Content Placeholder 2">
@@ -11168,7 +10990,7 @@
         <p:spPr>
           <a:xfrm>
             <a:off x="8556761" y="2419043"/>
-            <a:ext cx="3021496" cy="2308324"/>
+            <a:ext cx="3021496" cy="2862322"/>
           </a:xfrm>
           <a:prstGeom prst="rect">
             <a:avLst/>
@@ -11214,6 +11036,15 @@
                 <a:cs typeface="Arial" panose="020B0604020202020204" pitchFamily="34" charset="0"/>
               </a:rPr>
               <a:t>Height of CG: 50% from reference height</a:t>
+            </a:r>
+          </a:p>
+          <a:p>
+            <a:r>
+              <a:rPr lang="en-SG" dirty="0">
+                <a:latin typeface="Arial" panose="020B0604020202020204" pitchFamily="34" charset="0"/>
+                <a:cs typeface="Arial" panose="020B0604020202020204" pitchFamily="34" charset="0"/>
+              </a:rPr>
+              <a:t>Rn3 – idler wheels: 50% from reference datum</a:t>
             </a:r>
           </a:p>
         </p:txBody>
@@ -11452,6 +11283,745 @@
           </a:fontRef>
         </p:style>
       </p:cxnSp>
+      <p:sp>
+        <p:nvSpPr>
+          <p:cNvPr id="13" name="TextBox 12">
+            <a:extLst>
+              <a:ext uri="{FF2B5EF4-FFF2-40B4-BE49-F238E27FC236}">
+                <a16:creationId xmlns:a16="http://schemas.microsoft.com/office/drawing/2014/main" id="{357F6A09-EE2A-4CDF-A7F8-9EDD4A1398C1}"/>
+              </a:ext>
+            </a:extLst>
+          </p:cNvPr>
+          <p:cNvSpPr txBox="1"/>
+          <p:nvPr/>
+        </p:nvSpPr>
+        <p:spPr>
+          <a:xfrm>
+            <a:off x="6511787" y="2137414"/>
+            <a:ext cx="1431235" cy="646331"/>
+          </a:xfrm>
+          <a:prstGeom prst="rect">
+            <a:avLst/>
+          </a:prstGeom>
+          <a:noFill/>
+        </p:spPr>
+        <p:txBody>
+          <a:bodyPr wrap="square" rtlCol="0">
+            <a:spAutoFit/>
+          </a:bodyPr>
+          <a:lstStyle/>
+          <a:p>
+            <a:r>
+              <a:rPr lang="en-SG" dirty="0">
+                <a:latin typeface="Arial" panose="020B0604020202020204" pitchFamily="34" charset="0"/>
+                <a:cs typeface="Arial" panose="020B0604020202020204" pitchFamily="34" charset="0"/>
+              </a:rPr>
+              <a:t>Reference datum A</a:t>
+            </a:r>
+          </a:p>
+        </p:txBody>
+      </p:sp>
+      <p:sp>
+        <p:nvSpPr>
+          <p:cNvPr id="14" name="TextBox 13">
+            <a:extLst>
+              <a:ext uri="{FF2B5EF4-FFF2-40B4-BE49-F238E27FC236}">
+                <a16:creationId xmlns:a16="http://schemas.microsoft.com/office/drawing/2014/main" id="{7C60EE2B-9C82-493A-94B2-1DDB5B367A2F}"/>
+              </a:ext>
+            </a:extLst>
+          </p:cNvPr>
+          <p:cNvSpPr txBox="1"/>
+          <p:nvPr/>
+        </p:nvSpPr>
+        <p:spPr>
+          <a:xfrm>
+            <a:off x="1696281" y="2960102"/>
+            <a:ext cx="795130" cy="369332"/>
+          </a:xfrm>
+          <a:prstGeom prst="rect">
+            <a:avLst/>
+          </a:prstGeom>
+          <a:noFill/>
+        </p:spPr>
+        <p:txBody>
+          <a:bodyPr wrap="square" rtlCol="0">
+            <a:spAutoFit/>
+          </a:bodyPr>
+          <a:lstStyle/>
+          <a:p>
+            <a:pPr algn="ctr"/>
+            <a:r>
+              <a:rPr lang="en-SG" dirty="0">
+                <a:latin typeface="Arial" panose="020B0604020202020204" pitchFamily="34" charset="0"/>
+                <a:cs typeface="Arial" panose="020B0604020202020204" pitchFamily="34" charset="0"/>
+              </a:rPr>
+              <a:t>Rn2</a:t>
+            </a:r>
+          </a:p>
+        </p:txBody>
+      </p:sp>
+      <p:sp>
+        <p:nvSpPr>
+          <p:cNvPr id="15" name="TextBox 14">
+            <a:extLst>
+              <a:ext uri="{FF2B5EF4-FFF2-40B4-BE49-F238E27FC236}">
+                <a16:creationId xmlns:a16="http://schemas.microsoft.com/office/drawing/2014/main" id="{011C7F4D-A220-4B2D-A180-3F8045F1E45C}"/>
+              </a:ext>
+            </a:extLst>
+          </p:cNvPr>
+          <p:cNvSpPr txBox="1"/>
+          <p:nvPr/>
+        </p:nvSpPr>
+        <p:spPr>
+          <a:xfrm>
+            <a:off x="5497999" y="2996228"/>
+            <a:ext cx="795130" cy="369332"/>
+          </a:xfrm>
+          <a:prstGeom prst="rect">
+            <a:avLst/>
+          </a:prstGeom>
+          <a:noFill/>
+        </p:spPr>
+        <p:txBody>
+          <a:bodyPr wrap="square" rtlCol="0">
+            <a:spAutoFit/>
+          </a:bodyPr>
+          <a:lstStyle/>
+          <a:p>
+            <a:pPr algn="ctr"/>
+            <a:r>
+              <a:rPr lang="en-SG" dirty="0">
+                <a:latin typeface="Arial" panose="020B0604020202020204" pitchFamily="34" charset="0"/>
+                <a:cs typeface="Arial" panose="020B0604020202020204" pitchFamily="34" charset="0"/>
+              </a:rPr>
+              <a:t>Rn1</a:t>
+            </a:r>
+          </a:p>
+        </p:txBody>
+      </p:sp>
+      <p:cxnSp>
+        <p:nvCxnSpPr>
+          <p:cNvPr id="19" name="Straight Arrow Connector 18">
+            <a:extLst>
+              <a:ext uri="{FF2B5EF4-FFF2-40B4-BE49-F238E27FC236}">
+                <a16:creationId xmlns:a16="http://schemas.microsoft.com/office/drawing/2014/main" id="{4314EA9E-83E2-47C0-BC26-90A184CBC3BC}"/>
+              </a:ext>
+            </a:extLst>
+          </p:cNvPr>
+          <p:cNvCxnSpPr>
+            <a:cxnSpLocks/>
+          </p:cNvCxnSpPr>
+          <p:nvPr/>
+        </p:nvCxnSpPr>
+        <p:spPr>
+          <a:xfrm flipH="1">
+            <a:off x="5928694" y="4492437"/>
+            <a:ext cx="1038638" cy="0"/>
+          </a:xfrm>
+          <a:prstGeom prst="straightConnector1">
+            <a:avLst/>
+          </a:prstGeom>
+          <a:ln w="12700">
+            <a:tailEnd type="triangle"/>
+          </a:ln>
+        </p:spPr>
+        <p:style>
+          <a:lnRef idx="1">
+            <a:schemeClr val="dk1"/>
+          </a:lnRef>
+          <a:fillRef idx="0">
+            <a:schemeClr val="dk1"/>
+          </a:fillRef>
+          <a:effectRef idx="0">
+            <a:schemeClr val="dk1"/>
+          </a:effectRef>
+          <a:fontRef idx="minor">
+            <a:schemeClr val="tx1"/>
+          </a:fontRef>
+        </p:style>
+      </p:cxnSp>
+      <p:sp>
+        <p:nvSpPr>
+          <p:cNvPr id="21" name="TextBox 20">
+            <a:extLst>
+              <a:ext uri="{FF2B5EF4-FFF2-40B4-BE49-F238E27FC236}">
+                <a16:creationId xmlns:a16="http://schemas.microsoft.com/office/drawing/2014/main" id="{DD44B8DC-2570-46D7-BCD0-24CF41953FE4}"/>
+              </a:ext>
+            </a:extLst>
+          </p:cNvPr>
+          <p:cNvSpPr txBox="1"/>
+          <p:nvPr/>
+        </p:nvSpPr>
+        <p:spPr>
+          <a:xfrm>
+            <a:off x="6596269" y="4160268"/>
+            <a:ext cx="631136" cy="369332"/>
+          </a:xfrm>
+          <a:prstGeom prst="rect">
+            <a:avLst/>
+          </a:prstGeom>
+          <a:noFill/>
+        </p:spPr>
+        <p:txBody>
+          <a:bodyPr wrap="square" rtlCol="0">
+            <a:spAutoFit/>
+          </a:bodyPr>
+          <a:lstStyle/>
+          <a:p>
+            <a:r>
+              <a:rPr lang="en-SG" dirty="0"/>
+              <a:t>0.1</a:t>
+            </a:r>
+          </a:p>
+        </p:txBody>
+      </p:sp>
+      <p:cxnSp>
+        <p:nvCxnSpPr>
+          <p:cNvPr id="23" name="Straight Arrow Connector 22">
+            <a:extLst>
+              <a:ext uri="{FF2B5EF4-FFF2-40B4-BE49-F238E27FC236}">
+                <a16:creationId xmlns:a16="http://schemas.microsoft.com/office/drawing/2014/main" id="{94CF80C6-8457-4427-8ADE-6F0254E36844}"/>
+              </a:ext>
+            </a:extLst>
+          </p:cNvPr>
+          <p:cNvCxnSpPr>
+            <a:cxnSpLocks/>
+          </p:cNvCxnSpPr>
+          <p:nvPr/>
+        </p:nvCxnSpPr>
+        <p:spPr>
+          <a:xfrm flipH="1" flipV="1">
+            <a:off x="3843960" y="4174355"/>
+            <a:ext cx="3123373" cy="11039"/>
+          </a:xfrm>
+          <a:prstGeom prst="straightConnector1">
+            <a:avLst/>
+          </a:prstGeom>
+          <a:ln w="12700">
+            <a:tailEnd type="triangle"/>
+          </a:ln>
+        </p:spPr>
+        <p:style>
+          <a:lnRef idx="1">
+            <a:schemeClr val="dk1"/>
+          </a:lnRef>
+          <a:fillRef idx="0">
+            <a:schemeClr val="dk1"/>
+          </a:fillRef>
+          <a:effectRef idx="0">
+            <a:schemeClr val="dk1"/>
+          </a:effectRef>
+          <a:fontRef idx="minor">
+            <a:schemeClr val="tx1"/>
+          </a:fontRef>
+        </p:style>
+      </p:cxnSp>
+      <p:sp>
+        <p:nvSpPr>
+          <p:cNvPr id="24" name="TextBox 23">
+            <a:extLst>
+              <a:ext uri="{FF2B5EF4-FFF2-40B4-BE49-F238E27FC236}">
+                <a16:creationId xmlns:a16="http://schemas.microsoft.com/office/drawing/2014/main" id="{D57A758D-D389-450E-8DB7-99CC4AB4E37A}"/>
+              </a:ext>
+            </a:extLst>
+          </p:cNvPr>
+          <p:cNvSpPr txBox="1"/>
+          <p:nvPr/>
+        </p:nvSpPr>
+        <p:spPr>
+          <a:xfrm>
+            <a:off x="6560654" y="3817912"/>
+            <a:ext cx="702365" cy="369332"/>
+          </a:xfrm>
+          <a:prstGeom prst="rect">
+            <a:avLst/>
+          </a:prstGeom>
+          <a:noFill/>
+        </p:spPr>
+        <p:txBody>
+          <a:bodyPr wrap="square" rtlCol="0">
+            <a:spAutoFit/>
+          </a:bodyPr>
+          <a:lstStyle/>
+          <a:p>
+            <a:r>
+              <a:rPr lang="en-SG" dirty="0"/>
+              <a:t>0.5</a:t>
+            </a:r>
+          </a:p>
+        </p:txBody>
+      </p:sp>
+      <p:cxnSp>
+        <p:nvCxnSpPr>
+          <p:cNvPr id="28" name="Straight Arrow Connector 27">
+            <a:extLst>
+              <a:ext uri="{FF2B5EF4-FFF2-40B4-BE49-F238E27FC236}">
+                <a16:creationId xmlns:a16="http://schemas.microsoft.com/office/drawing/2014/main" id="{EFF09F7C-3022-4A53-8BC0-4D08A1AD9DAC}"/>
+              </a:ext>
+            </a:extLst>
+          </p:cNvPr>
+          <p:cNvCxnSpPr>
+            <a:cxnSpLocks/>
+          </p:cNvCxnSpPr>
+          <p:nvPr/>
+        </p:nvCxnSpPr>
+        <p:spPr>
+          <a:xfrm flipH="1">
+            <a:off x="2124491" y="3814648"/>
+            <a:ext cx="4842841" cy="24653"/>
+          </a:xfrm>
+          <a:prstGeom prst="straightConnector1">
+            <a:avLst/>
+          </a:prstGeom>
+          <a:ln w="12700">
+            <a:tailEnd type="triangle"/>
+          </a:ln>
+        </p:spPr>
+        <p:style>
+          <a:lnRef idx="1">
+            <a:schemeClr val="dk1"/>
+          </a:lnRef>
+          <a:fillRef idx="0">
+            <a:schemeClr val="dk1"/>
+          </a:fillRef>
+          <a:effectRef idx="0">
+            <a:schemeClr val="dk1"/>
+          </a:effectRef>
+          <a:fontRef idx="minor">
+            <a:schemeClr val="tx1"/>
+          </a:fontRef>
+        </p:style>
+      </p:cxnSp>
+      <p:sp>
+        <p:nvSpPr>
+          <p:cNvPr id="30" name="TextBox 29">
+            <a:extLst>
+              <a:ext uri="{FF2B5EF4-FFF2-40B4-BE49-F238E27FC236}">
+                <a16:creationId xmlns:a16="http://schemas.microsoft.com/office/drawing/2014/main" id="{40388EB1-EEC4-4AB1-87FB-98C795EC2C44}"/>
+              </a:ext>
+            </a:extLst>
+          </p:cNvPr>
+          <p:cNvSpPr txBox="1"/>
+          <p:nvPr/>
+        </p:nvSpPr>
+        <p:spPr>
+          <a:xfrm>
+            <a:off x="6570594" y="3475556"/>
+            <a:ext cx="702365" cy="369332"/>
+          </a:xfrm>
+          <a:prstGeom prst="rect">
+            <a:avLst/>
+          </a:prstGeom>
+          <a:noFill/>
+        </p:spPr>
+        <p:txBody>
+          <a:bodyPr wrap="square" rtlCol="0">
+            <a:spAutoFit/>
+          </a:bodyPr>
+          <a:lstStyle/>
+          <a:p>
+            <a:r>
+              <a:rPr lang="en-SG" dirty="0"/>
+              <a:t>0.9</a:t>
+            </a:r>
+          </a:p>
+        </p:txBody>
+      </p:sp>
+      <p:cxnSp>
+        <p:nvCxnSpPr>
+          <p:cNvPr id="33" name="Straight Arrow Connector 32">
+            <a:extLst>
+              <a:ext uri="{FF2B5EF4-FFF2-40B4-BE49-F238E27FC236}">
+                <a16:creationId xmlns:a16="http://schemas.microsoft.com/office/drawing/2014/main" id="{F80A987B-0E1F-4604-B287-EEF36FA614E2}"/>
+              </a:ext>
+            </a:extLst>
+          </p:cNvPr>
+          <p:cNvCxnSpPr>
+            <a:cxnSpLocks/>
+          </p:cNvCxnSpPr>
+          <p:nvPr/>
+        </p:nvCxnSpPr>
+        <p:spPr>
+          <a:xfrm flipV="1">
+            <a:off x="3491952" y="3648552"/>
+            <a:ext cx="0" cy="2157629"/>
+          </a:xfrm>
+          <a:prstGeom prst="straightConnector1">
+            <a:avLst/>
+          </a:prstGeom>
+          <a:ln w="12700">
+            <a:tailEnd type="triangle"/>
+          </a:ln>
+        </p:spPr>
+        <p:style>
+          <a:lnRef idx="1">
+            <a:schemeClr val="dk1"/>
+          </a:lnRef>
+          <a:fillRef idx="0">
+            <a:schemeClr val="dk1"/>
+          </a:fillRef>
+          <a:effectRef idx="0">
+            <a:schemeClr val="dk1"/>
+          </a:effectRef>
+          <a:fontRef idx="minor">
+            <a:schemeClr val="tx1"/>
+          </a:fontRef>
+        </p:style>
+      </p:cxnSp>
+      <p:cxnSp>
+        <p:nvCxnSpPr>
+          <p:cNvPr id="36" name="Straight Connector 35">
+            <a:extLst>
+              <a:ext uri="{FF2B5EF4-FFF2-40B4-BE49-F238E27FC236}">
+                <a16:creationId xmlns:a16="http://schemas.microsoft.com/office/drawing/2014/main" id="{1B0A91AF-E062-4C39-818D-716F4D324E07}"/>
+              </a:ext>
+            </a:extLst>
+          </p:cNvPr>
+          <p:cNvCxnSpPr>
+            <a:cxnSpLocks/>
+          </p:cNvCxnSpPr>
+          <p:nvPr/>
+        </p:nvCxnSpPr>
+        <p:spPr>
+          <a:xfrm flipH="1">
+            <a:off x="3393392" y="3648552"/>
+            <a:ext cx="529251" cy="0"/>
+          </a:xfrm>
+          <a:prstGeom prst="line">
+            <a:avLst/>
+          </a:prstGeom>
+          <a:ln w="12700"/>
+        </p:spPr>
+        <p:style>
+          <a:lnRef idx="1">
+            <a:schemeClr val="dk1"/>
+          </a:lnRef>
+          <a:fillRef idx="0">
+            <a:schemeClr val="dk1"/>
+          </a:fillRef>
+          <a:effectRef idx="0">
+            <a:schemeClr val="dk1"/>
+          </a:effectRef>
+          <a:fontRef idx="minor">
+            <a:schemeClr val="tx1"/>
+          </a:fontRef>
+        </p:style>
+      </p:cxnSp>
+      <p:sp>
+        <p:nvSpPr>
+          <p:cNvPr id="39" name="TextBox 38">
+            <a:extLst>
+              <a:ext uri="{FF2B5EF4-FFF2-40B4-BE49-F238E27FC236}">
+                <a16:creationId xmlns:a16="http://schemas.microsoft.com/office/drawing/2014/main" id="{DB8A81B6-C396-4D5F-A408-6213A5177B92}"/>
+              </a:ext>
+            </a:extLst>
+          </p:cNvPr>
+          <p:cNvSpPr txBox="1"/>
+          <p:nvPr/>
+        </p:nvSpPr>
+        <p:spPr>
+          <a:xfrm>
+            <a:off x="3547027" y="5460264"/>
+            <a:ext cx="658470" cy="369332"/>
+          </a:xfrm>
+          <a:prstGeom prst="rect">
+            <a:avLst/>
+          </a:prstGeom>
+          <a:noFill/>
+        </p:spPr>
+        <p:txBody>
+          <a:bodyPr wrap="square" rtlCol="0">
+            <a:spAutoFit/>
+          </a:bodyPr>
+          <a:lstStyle/>
+          <a:p>
+            <a:r>
+              <a:rPr lang="en-SG" dirty="0"/>
+              <a:t>0.5</a:t>
+            </a:r>
+          </a:p>
+        </p:txBody>
+      </p:sp>
+      <p:sp>
+        <p:nvSpPr>
+          <p:cNvPr id="40" name="TextBox 39">
+            <a:extLst>
+              <a:ext uri="{FF2B5EF4-FFF2-40B4-BE49-F238E27FC236}">
+                <a16:creationId xmlns:a16="http://schemas.microsoft.com/office/drawing/2014/main" id="{0FD6BD5C-8C51-4F56-A168-16F3BEA8A57B}"/>
+              </a:ext>
+            </a:extLst>
+          </p:cNvPr>
+          <p:cNvSpPr txBox="1"/>
+          <p:nvPr/>
+        </p:nvSpPr>
+        <p:spPr>
+          <a:xfrm>
+            <a:off x="1227070" y="5490144"/>
+            <a:ext cx="1750114" cy="646331"/>
+          </a:xfrm>
+          <a:prstGeom prst="rect">
+            <a:avLst/>
+          </a:prstGeom>
+          <a:noFill/>
+        </p:spPr>
+        <p:txBody>
+          <a:bodyPr wrap="square" rtlCol="0">
+            <a:spAutoFit/>
+          </a:bodyPr>
+          <a:lstStyle/>
+          <a:p>
+            <a:r>
+              <a:rPr lang="en-SG" dirty="0">
+                <a:latin typeface="Arial" panose="020B0604020202020204" pitchFamily="34" charset="0"/>
+                <a:cs typeface="Arial" panose="020B0604020202020204" pitchFamily="34" charset="0"/>
+              </a:rPr>
+              <a:t>Reference height h</a:t>
+            </a:r>
+          </a:p>
+        </p:txBody>
+      </p:sp>
+      <p:cxnSp>
+        <p:nvCxnSpPr>
+          <p:cNvPr id="45" name="Straight Connector 44">
+            <a:extLst>
+              <a:ext uri="{FF2B5EF4-FFF2-40B4-BE49-F238E27FC236}">
+                <a16:creationId xmlns:a16="http://schemas.microsoft.com/office/drawing/2014/main" id="{86F735EF-6C21-42B7-AC89-DDB02ACE09F6}"/>
+              </a:ext>
+            </a:extLst>
+          </p:cNvPr>
+          <p:cNvCxnSpPr/>
+          <p:nvPr/>
+        </p:nvCxnSpPr>
+        <p:spPr>
+          <a:xfrm>
+            <a:off x="1227070" y="5464659"/>
+            <a:ext cx="5523672" cy="0"/>
+          </a:xfrm>
+          <a:prstGeom prst="line">
+            <a:avLst/>
+          </a:prstGeom>
+          <a:ln w="76200">
+            <a:solidFill>
+              <a:schemeClr val="tx1"/>
+            </a:solidFill>
+          </a:ln>
+        </p:spPr>
+        <p:style>
+          <a:lnRef idx="1">
+            <a:schemeClr val="accent1"/>
+          </a:lnRef>
+          <a:fillRef idx="0">
+            <a:schemeClr val="accent1"/>
+          </a:fillRef>
+          <a:effectRef idx="0">
+            <a:schemeClr val="accent1"/>
+          </a:effectRef>
+          <a:fontRef idx="minor">
+            <a:schemeClr val="tx1"/>
+          </a:fontRef>
+        </p:style>
+      </p:cxnSp>
+      <p:cxnSp>
+        <p:nvCxnSpPr>
+          <p:cNvPr id="57" name="Straight Connector 56">
+            <a:extLst>
+              <a:ext uri="{FF2B5EF4-FFF2-40B4-BE49-F238E27FC236}">
+                <a16:creationId xmlns:a16="http://schemas.microsoft.com/office/drawing/2014/main" id="{34E24602-5451-45AA-9E2D-54EF961EB233}"/>
+              </a:ext>
+            </a:extLst>
+          </p:cNvPr>
+          <p:cNvCxnSpPr>
+            <a:cxnSpLocks/>
+          </p:cNvCxnSpPr>
+          <p:nvPr/>
+        </p:nvCxnSpPr>
+        <p:spPr>
+          <a:xfrm>
+            <a:off x="3491952" y="5813309"/>
+            <a:ext cx="510204" cy="0"/>
+          </a:xfrm>
+          <a:prstGeom prst="line">
+            <a:avLst/>
+          </a:prstGeom>
+          <a:ln w="12700"/>
+        </p:spPr>
+        <p:style>
+          <a:lnRef idx="1">
+            <a:schemeClr val="dk1"/>
+          </a:lnRef>
+          <a:fillRef idx="0">
+            <a:schemeClr val="dk1"/>
+          </a:fillRef>
+          <a:effectRef idx="0">
+            <a:schemeClr val="dk1"/>
+          </a:effectRef>
+          <a:fontRef idx="minor">
+            <a:schemeClr val="tx1"/>
+          </a:fontRef>
+        </p:style>
+      </p:cxnSp>
+      <p:cxnSp>
+        <p:nvCxnSpPr>
+          <p:cNvPr id="7" name="Straight Arrow Connector 6">
+            <a:extLst>
+              <a:ext uri="{FF2B5EF4-FFF2-40B4-BE49-F238E27FC236}">
+                <a16:creationId xmlns:a16="http://schemas.microsoft.com/office/drawing/2014/main" id="{1A87991C-443F-4A71-815C-5337C3890C00}"/>
+              </a:ext>
+            </a:extLst>
+          </p:cNvPr>
+          <p:cNvCxnSpPr/>
+          <p:nvPr/>
+        </p:nvCxnSpPr>
+        <p:spPr>
+          <a:xfrm>
+            <a:off x="2617308" y="1907397"/>
+            <a:ext cx="2226365" cy="0"/>
+          </a:xfrm>
+          <a:prstGeom prst="straightConnector1">
+            <a:avLst/>
+          </a:prstGeom>
+          <a:ln>
+            <a:tailEnd type="triangle"/>
+          </a:ln>
+        </p:spPr>
+        <p:style>
+          <a:lnRef idx="1">
+            <a:schemeClr val="accent1"/>
+          </a:lnRef>
+          <a:fillRef idx="0">
+            <a:schemeClr val="accent1"/>
+          </a:fillRef>
+          <a:effectRef idx="0">
+            <a:schemeClr val="accent1"/>
+          </a:effectRef>
+          <a:fontRef idx="minor">
+            <a:schemeClr val="tx1"/>
+          </a:fontRef>
+        </p:style>
+      </p:cxnSp>
+      <p:sp>
+        <p:nvSpPr>
+          <p:cNvPr id="29" name="Oval 28">
+            <a:extLst>
+              <a:ext uri="{FF2B5EF4-FFF2-40B4-BE49-F238E27FC236}">
+                <a16:creationId xmlns:a16="http://schemas.microsoft.com/office/drawing/2014/main" id="{752AC4EA-007A-4799-AFE6-B0E78B4038F3}"/>
+              </a:ext>
+            </a:extLst>
+          </p:cNvPr>
+          <p:cNvSpPr/>
+          <p:nvPr/>
+        </p:nvSpPr>
+        <p:spPr>
+          <a:xfrm>
+            <a:off x="3472493" y="4749748"/>
+            <a:ext cx="702366" cy="699950"/>
+          </a:xfrm>
+          <a:prstGeom prst="ellipse">
+            <a:avLst/>
+          </a:prstGeom>
+          <a:solidFill>
+            <a:schemeClr val="accent6"/>
+          </a:solidFill>
+        </p:spPr>
+        <p:style>
+          <a:lnRef idx="2">
+            <a:schemeClr val="accent1">
+              <a:shade val="50000"/>
+            </a:schemeClr>
+          </a:lnRef>
+          <a:fillRef idx="1">
+            <a:schemeClr val="accent1"/>
+          </a:fillRef>
+          <a:effectRef idx="0">
+            <a:schemeClr val="accent1"/>
+          </a:effectRef>
+          <a:fontRef idx="minor">
+            <a:schemeClr val="lt1"/>
+          </a:fontRef>
+        </p:style>
+        <p:txBody>
+          <a:bodyPr rtlCol="0" anchor="ctr"/>
+          <a:lstStyle/>
+          <a:p>
+            <a:pPr algn="ctr"/>
+            <a:endParaRPr lang="en-SG" dirty="0"/>
+          </a:p>
+        </p:txBody>
+      </p:sp>
+      <p:sp>
+        <p:nvSpPr>
+          <p:cNvPr id="10" name="TextBox 9">
+            <a:extLst>
+              <a:ext uri="{FF2B5EF4-FFF2-40B4-BE49-F238E27FC236}">
+                <a16:creationId xmlns:a16="http://schemas.microsoft.com/office/drawing/2014/main" id="{202D8EBA-7512-4709-AEE8-47C968F81C66}"/>
+              </a:ext>
+            </a:extLst>
+          </p:cNvPr>
+          <p:cNvSpPr txBox="1"/>
+          <p:nvPr/>
+        </p:nvSpPr>
+        <p:spPr>
+          <a:xfrm>
+            <a:off x="2789586" y="1538065"/>
+            <a:ext cx="1881808" cy="369332"/>
+          </a:xfrm>
+          <a:prstGeom prst="rect">
+            <a:avLst/>
+          </a:prstGeom>
+          <a:noFill/>
+        </p:spPr>
+        <p:txBody>
+          <a:bodyPr wrap="square" rtlCol="0">
+            <a:spAutoFit/>
+          </a:bodyPr>
+          <a:lstStyle/>
+          <a:p>
+            <a:pPr algn="ctr"/>
+            <a:r>
+              <a:rPr lang="en-SG" dirty="0"/>
+              <a:t>Motion direction</a:t>
+            </a:r>
+          </a:p>
+        </p:txBody>
+      </p:sp>
+      <p:cxnSp>
+        <p:nvCxnSpPr>
+          <p:cNvPr id="12" name="Straight Connector 11">
+            <a:extLst>
+              <a:ext uri="{FF2B5EF4-FFF2-40B4-BE49-F238E27FC236}">
+                <a16:creationId xmlns:a16="http://schemas.microsoft.com/office/drawing/2014/main" id="{35AEF41F-4095-4B45-B957-8040A65A0907}"/>
+              </a:ext>
+            </a:extLst>
+          </p:cNvPr>
+          <p:cNvCxnSpPr>
+            <a:cxnSpLocks/>
+          </p:cNvCxnSpPr>
+          <p:nvPr/>
+        </p:nvCxnSpPr>
+        <p:spPr>
+          <a:xfrm>
+            <a:off x="6539950" y="4727367"/>
+            <a:ext cx="0" cy="762777"/>
+          </a:xfrm>
+          <a:prstGeom prst="line">
+            <a:avLst/>
+          </a:prstGeom>
+        </p:spPr>
+        <p:style>
+          <a:lnRef idx="1">
+            <a:schemeClr val="accent1"/>
+          </a:lnRef>
+          <a:fillRef idx="0">
+            <a:schemeClr val="accent1"/>
+          </a:fillRef>
+          <a:effectRef idx="0">
+            <a:schemeClr val="accent1"/>
+          </a:effectRef>
+          <a:fontRef idx="minor">
+            <a:schemeClr val="tx1"/>
+          </a:fontRef>
+        </p:style>
+      </p:cxnSp>
       <p:cxnSp>
         <p:nvCxnSpPr>
           <p:cNvPr id="11" name="Straight Arrow Connector 10">
@@ -11498,122 +12068,6 @@
       </p:cxnSp>
       <p:sp>
         <p:nvSpPr>
-          <p:cNvPr id="13" name="TextBox 12">
-            <a:extLst>
-              <a:ext uri="{FF2B5EF4-FFF2-40B4-BE49-F238E27FC236}">
-                <a16:creationId xmlns:a16="http://schemas.microsoft.com/office/drawing/2014/main" id="{357F6A09-EE2A-4CDF-A7F8-9EDD4A1398C1}"/>
-              </a:ext>
-            </a:extLst>
-          </p:cNvPr>
-          <p:cNvSpPr txBox="1"/>
-          <p:nvPr/>
-        </p:nvSpPr>
-        <p:spPr>
-          <a:xfrm>
-            <a:off x="6511787" y="2137414"/>
-            <a:ext cx="1431235" cy="646331"/>
-          </a:xfrm>
-          <a:prstGeom prst="rect">
-            <a:avLst/>
-          </a:prstGeom>
-          <a:noFill/>
-        </p:spPr>
-        <p:txBody>
-          <a:bodyPr wrap="square" rtlCol="0">
-            <a:spAutoFit/>
-          </a:bodyPr>
-          <a:lstStyle/>
-          <a:p>
-            <a:r>
-              <a:rPr lang="en-SG" dirty="0">
-                <a:latin typeface="Arial" panose="020B0604020202020204" pitchFamily="34" charset="0"/>
-                <a:cs typeface="Arial" panose="020B0604020202020204" pitchFamily="34" charset="0"/>
-              </a:rPr>
-              <a:t>Reference datum A</a:t>
-            </a:r>
-          </a:p>
-        </p:txBody>
-      </p:sp>
-      <p:sp>
-        <p:nvSpPr>
-          <p:cNvPr id="14" name="TextBox 13">
-            <a:extLst>
-              <a:ext uri="{FF2B5EF4-FFF2-40B4-BE49-F238E27FC236}">
-                <a16:creationId xmlns:a16="http://schemas.microsoft.com/office/drawing/2014/main" id="{7C60EE2B-9C82-493A-94B2-1DDB5B367A2F}"/>
-              </a:ext>
-            </a:extLst>
-          </p:cNvPr>
-          <p:cNvSpPr txBox="1"/>
-          <p:nvPr/>
-        </p:nvSpPr>
-        <p:spPr>
-          <a:xfrm>
-            <a:off x="1696281" y="2960102"/>
-            <a:ext cx="795130" cy="369332"/>
-          </a:xfrm>
-          <a:prstGeom prst="rect">
-            <a:avLst/>
-          </a:prstGeom>
-          <a:noFill/>
-        </p:spPr>
-        <p:txBody>
-          <a:bodyPr wrap="square" rtlCol="0">
-            <a:spAutoFit/>
-          </a:bodyPr>
-          <a:lstStyle/>
-          <a:p>
-            <a:pPr algn="ctr"/>
-            <a:r>
-              <a:rPr lang="en-SG" dirty="0">
-                <a:latin typeface="Arial" panose="020B0604020202020204" pitchFamily="34" charset="0"/>
-                <a:cs typeface="Arial" panose="020B0604020202020204" pitchFamily="34" charset="0"/>
-              </a:rPr>
-              <a:t>Rn2</a:t>
-            </a:r>
-          </a:p>
-        </p:txBody>
-      </p:sp>
-      <p:sp>
-        <p:nvSpPr>
-          <p:cNvPr id="15" name="TextBox 14">
-            <a:extLst>
-              <a:ext uri="{FF2B5EF4-FFF2-40B4-BE49-F238E27FC236}">
-                <a16:creationId xmlns:a16="http://schemas.microsoft.com/office/drawing/2014/main" id="{011C7F4D-A220-4B2D-A180-3F8045F1E45C}"/>
-              </a:ext>
-            </a:extLst>
-          </p:cNvPr>
-          <p:cNvSpPr txBox="1"/>
-          <p:nvPr/>
-        </p:nvSpPr>
-        <p:spPr>
-          <a:xfrm>
-            <a:off x="5497999" y="2996228"/>
-            <a:ext cx="795130" cy="369332"/>
-          </a:xfrm>
-          <a:prstGeom prst="rect">
-            <a:avLst/>
-          </a:prstGeom>
-          <a:noFill/>
-        </p:spPr>
-        <p:txBody>
-          <a:bodyPr wrap="square" rtlCol="0">
-            <a:spAutoFit/>
-          </a:bodyPr>
-          <a:lstStyle/>
-          <a:p>
-            <a:pPr algn="ctr"/>
-            <a:r>
-              <a:rPr lang="en-SG" dirty="0">
-                <a:latin typeface="Arial" panose="020B0604020202020204" pitchFamily="34" charset="0"/>
-                <a:cs typeface="Arial" panose="020B0604020202020204" pitchFamily="34" charset="0"/>
-              </a:rPr>
-              <a:t>Rn1</a:t>
-            </a:r>
-          </a:p>
-        </p:txBody>
-      </p:sp>
-      <p:sp>
-        <p:nvSpPr>
           <p:cNvPr id="16" name="TextBox 15">
             <a:extLst>
               <a:ext uri="{FF2B5EF4-FFF2-40B4-BE49-F238E27FC236}">
@@ -11653,86 +12107,10 @@
       </p:sp>
       <p:cxnSp>
         <p:nvCxnSpPr>
-          <p:cNvPr id="19" name="Straight Arrow Connector 18">
-            <a:extLst>
-              <a:ext uri="{FF2B5EF4-FFF2-40B4-BE49-F238E27FC236}">
-                <a16:creationId xmlns:a16="http://schemas.microsoft.com/office/drawing/2014/main" id="{4314EA9E-83E2-47C0-BC26-90A184CBC3BC}"/>
-              </a:ext>
-            </a:extLst>
-          </p:cNvPr>
-          <p:cNvCxnSpPr>
-            <a:cxnSpLocks/>
-          </p:cNvCxnSpPr>
-          <p:nvPr/>
-        </p:nvCxnSpPr>
-        <p:spPr>
-          <a:xfrm flipH="1">
-            <a:off x="5928694" y="4492437"/>
-            <a:ext cx="1038638" cy="0"/>
-          </a:xfrm>
-          <a:prstGeom prst="straightConnector1">
-            <a:avLst/>
-          </a:prstGeom>
-          <a:ln w="12700">
-            <a:tailEnd type="triangle"/>
-          </a:ln>
-        </p:spPr>
-        <p:style>
-          <a:lnRef idx="1">
-            <a:schemeClr val="dk1"/>
-          </a:lnRef>
-          <a:fillRef idx="0">
-            <a:schemeClr val="dk1"/>
-          </a:fillRef>
-          <a:effectRef idx="0">
-            <a:schemeClr val="dk1"/>
-          </a:effectRef>
-          <a:fontRef idx="minor">
-            <a:schemeClr val="tx1"/>
-          </a:fontRef>
-        </p:style>
-      </p:cxnSp>
-      <p:sp>
-        <p:nvSpPr>
-          <p:cNvPr id="21" name="TextBox 20">
-            <a:extLst>
-              <a:ext uri="{FF2B5EF4-FFF2-40B4-BE49-F238E27FC236}">
-                <a16:creationId xmlns:a16="http://schemas.microsoft.com/office/drawing/2014/main" id="{DD44B8DC-2570-46D7-BCD0-24CF41953FE4}"/>
-              </a:ext>
-            </a:extLst>
-          </p:cNvPr>
-          <p:cNvSpPr txBox="1"/>
-          <p:nvPr/>
-        </p:nvSpPr>
-        <p:spPr>
-          <a:xfrm>
-            <a:off x="6596269" y="4160268"/>
-            <a:ext cx="631136" cy="369332"/>
-          </a:xfrm>
-          <a:prstGeom prst="rect">
-            <a:avLst/>
-          </a:prstGeom>
-          <a:noFill/>
-        </p:spPr>
-        <p:txBody>
-          <a:bodyPr wrap="square" rtlCol="0">
-            <a:spAutoFit/>
-          </a:bodyPr>
-          <a:lstStyle/>
-          <a:p>
-            <a:r>
-              <a:rPr lang="en-SG" dirty="0"/>
-              <a:t>0.1</a:t>
-            </a:r>
-          </a:p>
-        </p:txBody>
-      </p:sp>
-      <p:cxnSp>
-        <p:nvCxnSpPr>
-          <p:cNvPr id="23" name="Straight Arrow Connector 22">
-            <a:extLst>
-              <a:ext uri="{FF2B5EF4-FFF2-40B4-BE49-F238E27FC236}">
-                <a16:creationId xmlns:a16="http://schemas.microsoft.com/office/drawing/2014/main" id="{94CF80C6-8457-4427-8ADE-6F0254E36844}"/>
+          <p:cNvPr id="18" name="Straight Arrow Connector 17">
+            <a:extLst>
+              <a:ext uri="{FF2B5EF4-FFF2-40B4-BE49-F238E27FC236}">
+                <a16:creationId xmlns:a16="http://schemas.microsoft.com/office/drawing/2014/main" id="{F7408059-1E87-446B-9916-5C5930AFC6E0}"/>
               </a:ext>
             </a:extLst>
           </p:cNvPr>
@@ -11743,396 +12121,16 @@
         </p:nvCxnSpPr>
         <p:spPr>
           <a:xfrm flipH="1" flipV="1">
-            <a:off x="3843960" y="4174355"/>
-            <a:ext cx="3123373" cy="11039"/>
-          </a:xfrm>
-          <a:prstGeom prst="straightConnector1">
-            <a:avLst/>
-          </a:prstGeom>
-          <a:ln w="12700">
-            <a:tailEnd type="triangle"/>
-          </a:ln>
-        </p:spPr>
-        <p:style>
-          <a:lnRef idx="1">
-            <a:schemeClr val="dk1"/>
-          </a:lnRef>
-          <a:fillRef idx="0">
-            <a:schemeClr val="dk1"/>
-          </a:fillRef>
-          <a:effectRef idx="0">
-            <a:schemeClr val="dk1"/>
-          </a:effectRef>
-          <a:fontRef idx="minor">
-            <a:schemeClr val="tx1"/>
-          </a:fontRef>
-        </p:style>
-      </p:cxnSp>
-      <p:sp>
-        <p:nvSpPr>
-          <p:cNvPr id="24" name="TextBox 23">
-            <a:extLst>
-              <a:ext uri="{FF2B5EF4-FFF2-40B4-BE49-F238E27FC236}">
-                <a16:creationId xmlns:a16="http://schemas.microsoft.com/office/drawing/2014/main" id="{D57A758D-D389-450E-8DB7-99CC4AB4E37A}"/>
-              </a:ext>
-            </a:extLst>
-          </p:cNvPr>
-          <p:cNvSpPr txBox="1"/>
-          <p:nvPr/>
-        </p:nvSpPr>
-        <p:spPr>
-          <a:xfrm>
-            <a:off x="6560654" y="3817912"/>
-            <a:ext cx="702365" cy="369332"/>
-          </a:xfrm>
-          <a:prstGeom prst="rect">
-            <a:avLst/>
-          </a:prstGeom>
-          <a:noFill/>
-        </p:spPr>
-        <p:txBody>
-          <a:bodyPr wrap="square" rtlCol="0">
-            <a:spAutoFit/>
-          </a:bodyPr>
-          <a:lstStyle/>
-          <a:p>
-            <a:r>
-              <a:rPr lang="en-SG" dirty="0"/>
-              <a:t>0.5</a:t>
-            </a:r>
-          </a:p>
-        </p:txBody>
-      </p:sp>
-      <p:cxnSp>
-        <p:nvCxnSpPr>
-          <p:cNvPr id="28" name="Straight Arrow Connector 27">
-            <a:extLst>
-              <a:ext uri="{FF2B5EF4-FFF2-40B4-BE49-F238E27FC236}">
-                <a16:creationId xmlns:a16="http://schemas.microsoft.com/office/drawing/2014/main" id="{EFF09F7C-3022-4A53-8BC0-4D08A1AD9DAC}"/>
-              </a:ext>
-            </a:extLst>
-          </p:cNvPr>
-          <p:cNvCxnSpPr>
-            <a:cxnSpLocks/>
-          </p:cNvCxnSpPr>
-          <p:nvPr/>
-        </p:nvCxnSpPr>
-        <p:spPr>
-          <a:xfrm flipH="1">
-            <a:off x="2124491" y="3814648"/>
-            <a:ext cx="4842841" cy="24653"/>
-          </a:xfrm>
-          <a:prstGeom prst="straightConnector1">
-            <a:avLst/>
-          </a:prstGeom>
-          <a:ln w="12700">
-            <a:tailEnd type="triangle"/>
-          </a:ln>
-        </p:spPr>
-        <p:style>
-          <a:lnRef idx="1">
-            <a:schemeClr val="dk1"/>
-          </a:lnRef>
-          <a:fillRef idx="0">
-            <a:schemeClr val="dk1"/>
-          </a:fillRef>
-          <a:effectRef idx="0">
-            <a:schemeClr val="dk1"/>
-          </a:effectRef>
-          <a:fontRef idx="minor">
-            <a:schemeClr val="tx1"/>
-          </a:fontRef>
-        </p:style>
-      </p:cxnSp>
-      <p:sp>
-        <p:nvSpPr>
-          <p:cNvPr id="30" name="TextBox 29">
-            <a:extLst>
-              <a:ext uri="{FF2B5EF4-FFF2-40B4-BE49-F238E27FC236}">
-                <a16:creationId xmlns:a16="http://schemas.microsoft.com/office/drawing/2014/main" id="{40388EB1-EEC4-4AB1-87FB-98C795EC2C44}"/>
-              </a:ext>
-            </a:extLst>
-          </p:cNvPr>
-          <p:cNvSpPr txBox="1"/>
-          <p:nvPr/>
-        </p:nvSpPr>
-        <p:spPr>
-          <a:xfrm>
-            <a:off x="6570594" y="3475556"/>
-            <a:ext cx="702365" cy="369332"/>
-          </a:xfrm>
-          <a:prstGeom prst="rect">
-            <a:avLst/>
-          </a:prstGeom>
-          <a:noFill/>
-        </p:spPr>
-        <p:txBody>
-          <a:bodyPr wrap="square" rtlCol="0">
-            <a:spAutoFit/>
-          </a:bodyPr>
-          <a:lstStyle/>
-          <a:p>
-            <a:r>
-              <a:rPr lang="en-SG" dirty="0"/>
-              <a:t>0.9</a:t>
-            </a:r>
-          </a:p>
-        </p:txBody>
-      </p:sp>
-      <p:cxnSp>
-        <p:nvCxnSpPr>
-          <p:cNvPr id="33" name="Straight Arrow Connector 32">
-            <a:extLst>
-              <a:ext uri="{FF2B5EF4-FFF2-40B4-BE49-F238E27FC236}">
-                <a16:creationId xmlns:a16="http://schemas.microsoft.com/office/drawing/2014/main" id="{F80A987B-0E1F-4604-B287-EEF36FA614E2}"/>
-              </a:ext>
-            </a:extLst>
-          </p:cNvPr>
-          <p:cNvCxnSpPr>
-            <a:cxnSpLocks/>
-          </p:cNvCxnSpPr>
-          <p:nvPr/>
-        </p:nvCxnSpPr>
-        <p:spPr>
-          <a:xfrm flipV="1">
-            <a:off x="3491952" y="3648552"/>
-            <a:ext cx="0" cy="2157629"/>
-          </a:xfrm>
-          <a:prstGeom prst="straightConnector1">
-            <a:avLst/>
-          </a:prstGeom>
-          <a:ln w="12700">
-            <a:tailEnd type="triangle"/>
-          </a:ln>
-        </p:spPr>
-        <p:style>
-          <a:lnRef idx="1">
-            <a:schemeClr val="dk1"/>
-          </a:lnRef>
-          <a:fillRef idx="0">
-            <a:schemeClr val="dk1"/>
-          </a:fillRef>
-          <a:effectRef idx="0">
-            <a:schemeClr val="dk1"/>
-          </a:effectRef>
-          <a:fontRef idx="minor">
-            <a:schemeClr val="tx1"/>
-          </a:fontRef>
-        </p:style>
-      </p:cxnSp>
-      <p:cxnSp>
-        <p:nvCxnSpPr>
-          <p:cNvPr id="36" name="Straight Connector 35">
-            <a:extLst>
-              <a:ext uri="{FF2B5EF4-FFF2-40B4-BE49-F238E27FC236}">
-                <a16:creationId xmlns:a16="http://schemas.microsoft.com/office/drawing/2014/main" id="{1B0A91AF-E062-4C39-818D-716F4D324E07}"/>
-              </a:ext>
-            </a:extLst>
-          </p:cNvPr>
-          <p:cNvCxnSpPr>
-            <a:cxnSpLocks/>
-          </p:cNvCxnSpPr>
-          <p:nvPr/>
-        </p:nvCxnSpPr>
-        <p:spPr>
-          <a:xfrm flipH="1">
-            <a:off x="3393392" y="3648552"/>
-            <a:ext cx="529251" cy="0"/>
-          </a:xfrm>
-          <a:prstGeom prst="line">
-            <a:avLst/>
-          </a:prstGeom>
-          <a:ln w="12700"/>
-        </p:spPr>
-        <p:style>
-          <a:lnRef idx="1">
-            <a:schemeClr val="dk1"/>
-          </a:lnRef>
-          <a:fillRef idx="0">
-            <a:schemeClr val="dk1"/>
-          </a:fillRef>
-          <a:effectRef idx="0">
-            <a:schemeClr val="dk1"/>
-          </a:effectRef>
-          <a:fontRef idx="minor">
-            <a:schemeClr val="tx1"/>
-          </a:fontRef>
-        </p:style>
-      </p:cxnSp>
-      <p:sp>
-        <p:nvSpPr>
-          <p:cNvPr id="39" name="TextBox 38">
-            <a:extLst>
-              <a:ext uri="{FF2B5EF4-FFF2-40B4-BE49-F238E27FC236}">
-                <a16:creationId xmlns:a16="http://schemas.microsoft.com/office/drawing/2014/main" id="{DB8A81B6-C396-4D5F-A408-6213A5177B92}"/>
-              </a:ext>
-            </a:extLst>
-          </p:cNvPr>
-          <p:cNvSpPr txBox="1"/>
-          <p:nvPr/>
-        </p:nvSpPr>
-        <p:spPr>
-          <a:xfrm>
-            <a:off x="3547027" y="5460264"/>
-            <a:ext cx="658470" cy="369332"/>
-          </a:xfrm>
-          <a:prstGeom prst="rect">
-            <a:avLst/>
-          </a:prstGeom>
-          <a:noFill/>
-        </p:spPr>
-        <p:txBody>
-          <a:bodyPr wrap="square" rtlCol="0">
-            <a:spAutoFit/>
-          </a:bodyPr>
-          <a:lstStyle/>
-          <a:p>
-            <a:r>
-              <a:rPr lang="en-SG" dirty="0"/>
-              <a:t>0.5</a:t>
-            </a:r>
-          </a:p>
-        </p:txBody>
-      </p:sp>
-      <p:sp>
-        <p:nvSpPr>
-          <p:cNvPr id="40" name="TextBox 39">
-            <a:extLst>
-              <a:ext uri="{FF2B5EF4-FFF2-40B4-BE49-F238E27FC236}">
-                <a16:creationId xmlns:a16="http://schemas.microsoft.com/office/drawing/2014/main" id="{0FD6BD5C-8C51-4F56-A168-16F3BEA8A57B}"/>
-              </a:ext>
-            </a:extLst>
-          </p:cNvPr>
-          <p:cNvSpPr txBox="1"/>
-          <p:nvPr/>
-        </p:nvSpPr>
-        <p:spPr>
-          <a:xfrm>
-            <a:off x="1227070" y="5490144"/>
-            <a:ext cx="1750114" cy="646331"/>
-          </a:xfrm>
-          <a:prstGeom prst="rect">
-            <a:avLst/>
-          </a:prstGeom>
-          <a:noFill/>
-        </p:spPr>
-        <p:txBody>
-          <a:bodyPr wrap="square" rtlCol="0">
-            <a:spAutoFit/>
-          </a:bodyPr>
-          <a:lstStyle/>
-          <a:p>
-            <a:r>
-              <a:rPr lang="en-SG" dirty="0">
-                <a:latin typeface="Arial" panose="020B0604020202020204" pitchFamily="34" charset="0"/>
-                <a:cs typeface="Arial" panose="020B0604020202020204" pitchFamily="34" charset="0"/>
-              </a:rPr>
-              <a:t>Reference height h</a:t>
-            </a:r>
-          </a:p>
-        </p:txBody>
-      </p:sp>
-      <p:cxnSp>
-        <p:nvCxnSpPr>
-          <p:cNvPr id="45" name="Straight Connector 44">
-            <a:extLst>
-              <a:ext uri="{FF2B5EF4-FFF2-40B4-BE49-F238E27FC236}">
-                <a16:creationId xmlns:a16="http://schemas.microsoft.com/office/drawing/2014/main" id="{86F735EF-6C21-42B7-AC89-DDB02ACE09F6}"/>
-              </a:ext>
-            </a:extLst>
-          </p:cNvPr>
-          <p:cNvCxnSpPr/>
-          <p:nvPr/>
-        </p:nvCxnSpPr>
-        <p:spPr>
-          <a:xfrm>
-            <a:off x="1227070" y="5464659"/>
-            <a:ext cx="5523672" cy="0"/>
-          </a:xfrm>
-          <a:prstGeom prst="line">
-            <a:avLst/>
-          </a:prstGeom>
-          <a:ln w="76200">
-            <a:solidFill>
-              <a:schemeClr val="tx1"/>
-            </a:solidFill>
-          </a:ln>
-        </p:spPr>
-        <p:style>
-          <a:lnRef idx="1">
-            <a:schemeClr val="accent1"/>
-          </a:lnRef>
-          <a:fillRef idx="0">
-            <a:schemeClr val="accent1"/>
-          </a:fillRef>
-          <a:effectRef idx="0">
-            <a:schemeClr val="accent1"/>
-          </a:effectRef>
-          <a:fontRef idx="minor">
-            <a:schemeClr val="tx1"/>
-          </a:fontRef>
-        </p:style>
-      </p:cxnSp>
-      <p:cxnSp>
-        <p:nvCxnSpPr>
-          <p:cNvPr id="57" name="Straight Connector 56">
-            <a:extLst>
-              <a:ext uri="{FF2B5EF4-FFF2-40B4-BE49-F238E27FC236}">
-                <a16:creationId xmlns:a16="http://schemas.microsoft.com/office/drawing/2014/main" id="{34E24602-5451-45AA-9E2D-54EF961EB233}"/>
-              </a:ext>
-            </a:extLst>
-          </p:cNvPr>
-          <p:cNvCxnSpPr>
-            <a:cxnSpLocks/>
-          </p:cNvCxnSpPr>
-          <p:nvPr/>
-        </p:nvCxnSpPr>
-        <p:spPr>
-          <a:xfrm>
-            <a:off x="3491952" y="5813309"/>
-            <a:ext cx="510204" cy="0"/>
-          </a:xfrm>
-          <a:prstGeom prst="line">
-            <a:avLst/>
-          </a:prstGeom>
-          <a:ln w="12700"/>
-        </p:spPr>
-        <p:style>
-          <a:lnRef idx="1">
-            <a:schemeClr val="dk1"/>
-          </a:lnRef>
-          <a:fillRef idx="0">
-            <a:schemeClr val="dk1"/>
-          </a:fillRef>
-          <a:effectRef idx="0">
-            <a:schemeClr val="dk1"/>
-          </a:effectRef>
-          <a:fontRef idx="minor">
-            <a:schemeClr val="tx1"/>
-          </a:fontRef>
-        </p:style>
-      </p:cxnSp>
-      <p:cxnSp>
-        <p:nvCxnSpPr>
-          <p:cNvPr id="7" name="Straight Arrow Connector 6">
-            <a:extLst>
-              <a:ext uri="{FF2B5EF4-FFF2-40B4-BE49-F238E27FC236}">
-                <a16:creationId xmlns:a16="http://schemas.microsoft.com/office/drawing/2014/main" id="{1A87991C-443F-4A71-815C-5337C3890C00}"/>
-              </a:ext>
-            </a:extLst>
-          </p:cNvPr>
-          <p:cNvCxnSpPr/>
-          <p:nvPr/>
-        </p:nvCxnSpPr>
-        <p:spPr>
-          <a:xfrm>
-            <a:off x="2617308" y="1907397"/>
-            <a:ext cx="2226365" cy="0"/>
+            <a:off x="3716822" y="3314847"/>
+            <a:ext cx="13670" cy="2112470"/>
           </a:xfrm>
           <a:prstGeom prst="straightConnector1">
             <a:avLst/>
           </a:prstGeom>
           <a:ln>
+            <a:solidFill>
+              <a:schemeClr val="tx1"/>
+            </a:solidFill>
             <a:tailEnd type="triangle"/>
           </a:ln>
         </p:spPr>
@@ -12153,10 +12151,10 @@
       </p:cxnSp>
       <p:sp>
         <p:nvSpPr>
-          <p:cNvPr id="10" name="TextBox 9">
-            <a:extLst>
-              <a:ext uri="{FF2B5EF4-FFF2-40B4-BE49-F238E27FC236}">
-                <a16:creationId xmlns:a16="http://schemas.microsoft.com/office/drawing/2014/main" id="{202D8EBA-7512-4709-AEE8-47C968F81C66}"/>
+          <p:cNvPr id="35" name="TextBox 34">
+            <a:extLst>
+              <a:ext uri="{FF2B5EF4-FFF2-40B4-BE49-F238E27FC236}">
+                <a16:creationId xmlns:a16="http://schemas.microsoft.com/office/drawing/2014/main" id="{7D0BF6CD-9503-4E82-BAC2-2498933E1512}"/>
               </a:ext>
             </a:extLst>
           </p:cNvPr>
@@ -12165,8 +12163,8 @@
         </p:nvSpPr>
         <p:spPr>
           <a:xfrm>
-            <a:off x="2789586" y="1538065"/>
-            <a:ext cx="1881808" cy="369332"/>
+            <a:off x="3207026" y="2840116"/>
+            <a:ext cx="795130" cy="369332"/>
           </a:xfrm>
           <a:prstGeom prst="rect">
             <a:avLst/>
@@ -12181,50 +12179,15 @@
           <a:p>
             <a:pPr algn="ctr"/>
             <a:r>
-              <a:rPr lang="en-SG" dirty="0"/>
-              <a:t>Motion direction</a:t>
+              <a:rPr lang="en-SG" dirty="0">
+                <a:latin typeface="Arial" panose="020B0604020202020204" pitchFamily="34" charset="0"/>
+                <a:cs typeface="Arial" panose="020B0604020202020204" pitchFamily="34" charset="0"/>
+              </a:rPr>
+              <a:t>Rn3</a:t>
             </a:r>
           </a:p>
         </p:txBody>
       </p:sp>
-      <p:cxnSp>
-        <p:nvCxnSpPr>
-          <p:cNvPr id="12" name="Straight Connector 11">
-            <a:extLst>
-              <a:ext uri="{FF2B5EF4-FFF2-40B4-BE49-F238E27FC236}">
-                <a16:creationId xmlns:a16="http://schemas.microsoft.com/office/drawing/2014/main" id="{35AEF41F-4095-4B45-B957-8040A65A0907}"/>
-              </a:ext>
-            </a:extLst>
-          </p:cNvPr>
-          <p:cNvCxnSpPr>
-            <a:cxnSpLocks/>
-          </p:cNvCxnSpPr>
-          <p:nvPr/>
-        </p:nvCxnSpPr>
-        <p:spPr>
-          <a:xfrm>
-            <a:off x="6539950" y="4727367"/>
-            <a:ext cx="0" cy="762777"/>
-          </a:xfrm>
-          <a:prstGeom prst="line">
-            <a:avLst/>
-          </a:prstGeom>
-        </p:spPr>
-        <p:style>
-          <a:lnRef idx="1">
-            <a:schemeClr val="accent1"/>
-          </a:lnRef>
-          <a:fillRef idx="0">
-            <a:schemeClr val="accent1"/>
-          </a:fillRef>
-          <a:effectRef idx="0">
-            <a:schemeClr val="accent1"/>
-          </a:effectRef>
-          <a:fontRef idx="minor">
-            <a:schemeClr val="tx1"/>
-          </a:fontRef>
-        </p:style>
-      </p:cxnSp>
     </p:spTree>
     <p:extLst>
       <p:ext uri="{BB962C8B-B14F-4D97-AF65-F5344CB8AC3E}">
@@ -12287,8 +12250,8 @@
           </a:p>
         </p:txBody>
       </p:sp>
-      <mc:AlternateContent xmlns:mc="http://schemas.openxmlformats.org/markup-compatibility/2006">
-        <mc:Choice xmlns:a14="http://schemas.microsoft.com/office/drawing/2010/main" Requires="a14">
+      <mc:AlternateContent xmlns:mc="http://schemas.openxmlformats.org/markup-compatibility/2006" xmlns:a14="http://schemas.microsoft.com/office/drawing/2010/main">
+        <mc:Choice Requires="a14">
           <p:sp>
             <p:nvSpPr>
               <p:cNvPr id="3" name="Content Placeholder 2">
@@ -12522,6 +12485,48 @@
                           <a:latin typeface="Cambria Math" panose="02040503050406030204" pitchFamily="18" charset="0"/>
                           <a:cs typeface="Arial" panose="020B0604020202020204" pitchFamily="34" charset="0"/>
                         </a:rPr>
+                        <m:t>+0.5</m:t>
+                      </m:r>
+                      <m:sSub>
+                        <m:sSubPr>
+                          <m:ctrlPr>
+                            <a:rPr lang="en-SG" i="1">
+                              <a:latin typeface="Cambria Math" panose="02040503050406030204" pitchFamily="18" charset="0"/>
+                              <a:cs typeface="Arial" panose="020B0604020202020204" pitchFamily="34" charset="0"/>
+                            </a:rPr>
+                          </m:ctrlPr>
+                        </m:sSubPr>
+                        <m:e>
+                          <m:r>
+                            <a:rPr lang="en-SG" i="1">
+                              <a:latin typeface="Cambria Math" panose="02040503050406030204" pitchFamily="18" charset="0"/>
+                              <a:cs typeface="Arial" panose="020B0604020202020204" pitchFamily="34" charset="0"/>
+                            </a:rPr>
+                            <m:t>𝑅</m:t>
+                          </m:r>
+                        </m:e>
+                        <m:sub>
+                          <m:r>
+                            <a:rPr lang="en-SG" i="1">
+                              <a:latin typeface="Cambria Math" panose="02040503050406030204" pitchFamily="18" charset="0"/>
+                              <a:cs typeface="Arial" panose="020B0604020202020204" pitchFamily="34" charset="0"/>
+                            </a:rPr>
+                            <m:t>𝑛</m:t>
+                          </m:r>
+                          <m:r>
+                            <a:rPr lang="en-SG" b="0" i="1" smtClean="0">
+                              <a:latin typeface="Cambria Math" panose="02040503050406030204" pitchFamily="18" charset="0"/>
+                              <a:cs typeface="Arial" panose="020B0604020202020204" pitchFamily="34" charset="0"/>
+                            </a:rPr>
+                            <m:t>3</m:t>
+                          </m:r>
+                        </m:sub>
+                      </m:sSub>
+                      <m:r>
+                        <a:rPr lang="en-SG" b="0" i="1" smtClean="0">
+                          <a:latin typeface="Cambria Math" panose="02040503050406030204" pitchFamily="18" charset="0"/>
+                          <a:cs typeface="Arial" panose="020B0604020202020204" pitchFamily="34" charset="0"/>
+                        </a:rPr>
                         <m:t>=0</m:t>
                       </m:r>
                     </m:oMath>
@@ -12631,14 +12636,49 @@
                           <a:latin typeface="Cambria Math" panose="02040503050406030204" pitchFamily="18" charset="0"/>
                           <a:cs typeface="Arial" panose="020B0604020202020204" pitchFamily="34" charset="0"/>
                         </a:rPr>
-                        <m:t>=</m:t>
+                        <m:t>+0.5</m:t>
                       </m:r>
+                      <m:sSub>
+                        <m:sSubPr>
+                          <m:ctrlPr>
+                            <a:rPr lang="en-SG" i="1">
+                              <a:latin typeface="Cambria Math" panose="02040503050406030204" pitchFamily="18" charset="0"/>
+                              <a:cs typeface="Arial" panose="020B0604020202020204" pitchFamily="34" charset="0"/>
+                            </a:rPr>
+                          </m:ctrlPr>
+                        </m:sSubPr>
+                        <m:e>
+                          <m:r>
+                            <a:rPr lang="en-SG" i="1">
+                              <a:latin typeface="Cambria Math" panose="02040503050406030204" pitchFamily="18" charset="0"/>
+                              <a:cs typeface="Arial" panose="020B0604020202020204" pitchFamily="34" charset="0"/>
+                            </a:rPr>
+                            <m:t>𝑅</m:t>
+                          </m:r>
+                        </m:e>
+                        <m:sub>
+                          <m:r>
+                            <a:rPr lang="en-SG" i="1">
+                              <a:latin typeface="Cambria Math" panose="02040503050406030204" pitchFamily="18" charset="0"/>
+                              <a:cs typeface="Arial" panose="020B0604020202020204" pitchFamily="34" charset="0"/>
+                            </a:rPr>
+                            <m:t>𝑛</m:t>
+                          </m:r>
+                          <m:r>
+                            <a:rPr lang="en-SG" b="0" i="1" smtClean="0">
+                              <a:latin typeface="Cambria Math" panose="02040503050406030204" pitchFamily="18" charset="0"/>
+                              <a:cs typeface="Arial" panose="020B0604020202020204" pitchFamily="34" charset="0"/>
+                            </a:rPr>
+                            <m:t>3</m:t>
+                          </m:r>
+                        </m:sub>
+                      </m:sSub>
                       <m:r>
                         <a:rPr lang="en-SG" b="0" i="1" smtClean="0">
                           <a:latin typeface="Cambria Math" panose="02040503050406030204" pitchFamily="18" charset="0"/>
                           <a:cs typeface="Arial" panose="020B0604020202020204" pitchFamily="34" charset="0"/>
                         </a:rPr>
-                        <m:t>7.358</m:t>
+                        <m:t>=7.358</m:t>
                       </m:r>
                     </m:oMath>
                   </m:oMathPara>
@@ -12740,14 +12780,49 @@
                           <a:latin typeface="Cambria Math" panose="02040503050406030204" pitchFamily="18" charset="0"/>
                           <a:cs typeface="Arial" panose="020B0604020202020204" pitchFamily="34" charset="0"/>
                         </a:rPr>
-                        <m:t>=</m:t>
+                        <m:t>+5</m:t>
                       </m:r>
+                      <m:sSub>
+                        <m:sSubPr>
+                          <m:ctrlPr>
+                            <a:rPr lang="en-SG" i="1">
+                              <a:latin typeface="Cambria Math" panose="02040503050406030204" pitchFamily="18" charset="0"/>
+                              <a:cs typeface="Arial" panose="020B0604020202020204" pitchFamily="34" charset="0"/>
+                            </a:rPr>
+                          </m:ctrlPr>
+                        </m:sSubPr>
+                        <m:e>
+                          <m:r>
+                            <a:rPr lang="en-SG" i="1">
+                              <a:latin typeface="Cambria Math" panose="02040503050406030204" pitchFamily="18" charset="0"/>
+                              <a:cs typeface="Arial" panose="020B0604020202020204" pitchFamily="34" charset="0"/>
+                            </a:rPr>
+                            <m:t>𝑅</m:t>
+                          </m:r>
+                        </m:e>
+                        <m:sub>
+                          <m:r>
+                            <a:rPr lang="en-SG" i="1">
+                              <a:latin typeface="Cambria Math" panose="02040503050406030204" pitchFamily="18" charset="0"/>
+                              <a:cs typeface="Arial" panose="020B0604020202020204" pitchFamily="34" charset="0"/>
+                            </a:rPr>
+                            <m:t>𝑛</m:t>
+                          </m:r>
+                          <m:r>
+                            <a:rPr lang="en-SG" b="0" i="1" smtClean="0">
+                              <a:latin typeface="Cambria Math" panose="02040503050406030204" pitchFamily="18" charset="0"/>
+                              <a:cs typeface="Arial" panose="020B0604020202020204" pitchFamily="34" charset="0"/>
+                            </a:rPr>
+                            <m:t>3</m:t>
+                          </m:r>
+                        </m:sub>
+                      </m:sSub>
                       <m:r>
                         <a:rPr lang="en-SG" b="0" i="1" smtClean="0">
                           <a:latin typeface="Cambria Math" panose="02040503050406030204" pitchFamily="18" charset="0"/>
                           <a:cs typeface="Arial" panose="020B0604020202020204" pitchFamily="34" charset="0"/>
                         </a:rPr>
-                        <m:t>73.58</m:t>
+                        <m:t>=73.58</m:t>
                       </m:r>
                     </m:oMath>
                   </m:oMathPara>
@@ -12927,21 +13002,49 @@
                           <a:latin typeface="Cambria Math" panose="02040503050406030204" pitchFamily="18" charset="0"/>
                           <a:cs typeface="Arial" panose="020B0604020202020204" pitchFamily="34" charset="0"/>
                         </a:rPr>
-                        <m:t>−1</m:t>
+                        <m:t>+</m:t>
                       </m:r>
+                      <m:sSub>
+                        <m:sSubPr>
+                          <m:ctrlPr>
+                            <a:rPr lang="en-SG" i="1">
+                              <a:latin typeface="Cambria Math" panose="02040503050406030204" pitchFamily="18" charset="0"/>
+                              <a:cs typeface="Arial" panose="020B0604020202020204" pitchFamily="34" charset="0"/>
+                            </a:rPr>
+                          </m:ctrlPr>
+                        </m:sSubPr>
+                        <m:e>
+                          <m:r>
+                            <a:rPr lang="en-SG" i="1">
+                              <a:latin typeface="Cambria Math" panose="02040503050406030204" pitchFamily="18" charset="0"/>
+                              <a:cs typeface="Arial" panose="020B0604020202020204" pitchFamily="34" charset="0"/>
+                            </a:rPr>
+                            <m:t>𝑅</m:t>
+                          </m:r>
+                        </m:e>
+                        <m:sub>
+                          <m:r>
+                            <a:rPr lang="en-SG" i="1">
+                              <a:latin typeface="Cambria Math" panose="02040503050406030204" pitchFamily="18" charset="0"/>
+                              <a:cs typeface="Arial" panose="020B0604020202020204" pitchFamily="34" charset="0"/>
+                            </a:rPr>
+                            <m:t>𝑛</m:t>
+                          </m:r>
+                          <m:r>
+                            <a:rPr lang="en-SG" b="0" i="1" smtClean="0">
+                              <a:latin typeface="Cambria Math" panose="02040503050406030204" pitchFamily="18" charset="0"/>
+                              <a:cs typeface="Arial" panose="020B0604020202020204" pitchFamily="34" charset="0"/>
+                            </a:rPr>
+                            <m:t>3</m:t>
+                          </m:r>
+                        </m:sub>
+                      </m:sSub>
                       <m:r>
                         <a:rPr lang="en-SG" b="0" i="1" smtClean="0">
                           <a:latin typeface="Cambria Math" panose="02040503050406030204" pitchFamily="18" charset="0"/>
                           <a:cs typeface="Arial" panose="020B0604020202020204" pitchFamily="34" charset="0"/>
                         </a:rPr>
-                        <m:t>4.715</m:t>
-                      </m:r>
-                      <m:r>
-                        <a:rPr lang="en-SG" b="0" i="1" smtClean="0">
-                          <a:latin typeface="Cambria Math" panose="02040503050406030204" pitchFamily="18" charset="0"/>
-                          <a:cs typeface="Arial" panose="020B0604020202020204" pitchFamily="34" charset="0"/>
-                        </a:rPr>
-                        <m:t>=0</m:t>
+                        <m:t>−14.715=0</m:t>
                       </m:r>
                     </m:oMath>
                   </m:oMathPara>
@@ -12955,106 +13058,6 @@
                 <a:pPr marL="0" indent="0">
                   <a:buNone/>
                 </a:pPr>
-                <a14:m>
-                  <m:oMathPara xmlns:m="http://schemas.openxmlformats.org/officeDocument/2006/math">
-                    <m:oMathParaPr>
-                      <m:jc m:val="left"/>
-                    </m:oMathParaPr>
-                    <m:oMath xmlns:m="http://schemas.openxmlformats.org/officeDocument/2006/math">
-                      <m:sSub>
-                        <m:sSubPr>
-                          <m:ctrlPr>
-                            <a:rPr lang="en-SG" b="0" i="1" smtClean="0">
-                              <a:latin typeface="Cambria Math" panose="02040503050406030204" pitchFamily="18" charset="0"/>
-                              <a:cs typeface="Arial" panose="020B0604020202020204" pitchFamily="34" charset="0"/>
-                            </a:rPr>
-                          </m:ctrlPr>
-                        </m:sSubPr>
-                        <m:e>
-                          <m:r>
-                            <a:rPr lang="en-SG" b="0" i="1" smtClean="0">
-                              <a:latin typeface="Cambria Math" panose="02040503050406030204" pitchFamily="18" charset="0"/>
-                              <a:cs typeface="Arial" panose="020B0604020202020204" pitchFamily="34" charset="0"/>
-                            </a:rPr>
-                            <m:t>𝑅</m:t>
-                          </m:r>
-                        </m:e>
-                        <m:sub>
-                          <m:r>
-                            <a:rPr lang="en-SG" b="0" i="1" smtClean="0">
-                              <a:latin typeface="Cambria Math" panose="02040503050406030204" pitchFamily="18" charset="0"/>
-                              <a:cs typeface="Arial" panose="020B0604020202020204" pitchFamily="34" charset="0"/>
-                            </a:rPr>
-                            <m:t>𝑛</m:t>
-                          </m:r>
-                          <m:r>
-                            <a:rPr lang="en-SG" b="0" i="1" smtClean="0">
-                              <a:latin typeface="Cambria Math" panose="02040503050406030204" pitchFamily="18" charset="0"/>
-                              <a:cs typeface="Arial" panose="020B0604020202020204" pitchFamily="34" charset="0"/>
-                            </a:rPr>
-                            <m:t>1</m:t>
-                          </m:r>
-                        </m:sub>
-                      </m:sSub>
-                      <m:r>
-                        <a:rPr lang="en-SG" b="0" i="1" smtClean="0">
-                          <a:latin typeface="Cambria Math" panose="02040503050406030204" pitchFamily="18" charset="0"/>
-                          <a:cs typeface="Arial" panose="020B0604020202020204" pitchFamily="34" charset="0"/>
-                        </a:rPr>
-                        <m:t>=1</m:t>
-                      </m:r>
-                      <m:r>
-                        <a:rPr lang="en-SG" b="0" i="1" smtClean="0">
-                          <a:latin typeface="Cambria Math" panose="02040503050406030204" pitchFamily="18" charset="0"/>
-                          <a:cs typeface="Arial" panose="020B0604020202020204" pitchFamily="34" charset="0"/>
-                        </a:rPr>
-                        <m:t>4.715</m:t>
-                      </m:r>
-                      <m:r>
-                        <a:rPr lang="en-SG" b="0" i="1" smtClean="0">
-                          <a:latin typeface="Cambria Math" panose="02040503050406030204" pitchFamily="18" charset="0"/>
-                          <a:cs typeface="Arial" panose="020B0604020202020204" pitchFamily="34" charset="0"/>
-                        </a:rPr>
-                        <m:t>−</m:t>
-                      </m:r>
-                      <m:sSub>
-                        <m:sSubPr>
-                          <m:ctrlPr>
-                            <a:rPr lang="en-SG" b="0" i="1" smtClean="0">
-                              <a:latin typeface="Cambria Math" panose="02040503050406030204" pitchFamily="18" charset="0"/>
-                              <a:cs typeface="Arial" panose="020B0604020202020204" pitchFamily="34" charset="0"/>
-                            </a:rPr>
-                          </m:ctrlPr>
-                        </m:sSubPr>
-                        <m:e>
-                          <m:r>
-                            <a:rPr lang="en-SG" b="0" i="1" smtClean="0">
-                              <a:latin typeface="Cambria Math" panose="02040503050406030204" pitchFamily="18" charset="0"/>
-                              <a:cs typeface="Arial" panose="020B0604020202020204" pitchFamily="34" charset="0"/>
-                            </a:rPr>
-                            <m:t>𝑅</m:t>
-                          </m:r>
-                        </m:e>
-                        <m:sub>
-                          <m:r>
-                            <a:rPr lang="en-SG" b="0" i="1" smtClean="0">
-                              <a:latin typeface="Cambria Math" panose="02040503050406030204" pitchFamily="18" charset="0"/>
-                              <a:cs typeface="Arial" panose="020B0604020202020204" pitchFamily="34" charset="0"/>
-                            </a:rPr>
-                            <m:t>𝑛</m:t>
-                          </m:r>
-                          <m:r>
-                            <a:rPr lang="en-SG" b="0" i="1" smtClean="0">
-                              <a:latin typeface="Cambria Math" panose="02040503050406030204" pitchFamily="18" charset="0"/>
-                              <a:cs typeface="Arial" panose="020B0604020202020204" pitchFamily="34" charset="0"/>
-                            </a:rPr>
-                            <m:t>2</m:t>
-                          </m:r>
-                        </m:sub>
-                      </m:sSub>
-                    </m:oMath>
-                  </m:oMathPara>
-                </a14:m>
                 <a:endParaRPr lang="en-SG" b="0" dirty="0">
                   <a:latin typeface="Arial" panose="020B0604020202020204" pitchFamily="34" charset="0"/>
                   <a:cs typeface="Arial" panose="020B0604020202020204" pitchFamily="34" charset="0"/>
@@ -13072,7 +13075,7 @@
             </p:txBody>
           </p:sp>
         </mc:Choice>
-        <mc:Fallback>
+        <mc:Fallback xmlns="">
           <p:sp>
             <p:nvSpPr>
               <p:cNvPr id="3" name="Content Placeholder 2">
@@ -13174,8 +13177,8 @@
           </a:p>
         </p:txBody>
       </p:sp>
-      <mc:AlternateContent xmlns:mc="http://schemas.openxmlformats.org/markup-compatibility/2006">
-        <mc:Choice xmlns:a14="http://schemas.microsoft.com/office/drawing/2010/main" Requires="a14">
+      <mc:AlternateContent xmlns:mc="http://schemas.openxmlformats.org/markup-compatibility/2006" xmlns:a14="http://schemas.microsoft.com/office/drawing/2010/main">
+        <mc:Choice Requires="a14">
           <p:sp>
             <p:nvSpPr>
               <p:cNvPr id="3" name="Content Placeholder 2">
@@ -13200,114 +13203,20 @@
                 <a:pPr marL="0" indent="0">
                   <a:buNone/>
                 </a:pPr>
-                <a14:m>
-                  <m:oMathPara xmlns:m="http://schemas.openxmlformats.org/officeDocument/2006/math">
-                    <m:oMathParaPr>
-                      <m:jc m:val="left"/>
-                    </m:oMathParaPr>
-                    <m:oMath xmlns:m="http://schemas.openxmlformats.org/officeDocument/2006/math">
-                      <m:r>
-                        <a:rPr lang="en-SG" i="1" smtClean="0">
-                          <a:latin typeface="Cambria Math" panose="02040503050406030204" pitchFamily="18" charset="0"/>
-                        </a:rPr>
-                        <m:t>1</m:t>
-                      </m:r>
-                      <m:r>
-                        <a:rPr lang="en-SG" b="0" i="1" smtClean="0">
-                          <a:latin typeface="Cambria Math" panose="02040503050406030204" pitchFamily="18" charset="0"/>
-                        </a:rPr>
-                        <m:t>4.715</m:t>
-                      </m:r>
-                      <m:r>
-                        <a:rPr lang="en-SG" b="0" i="1" smtClean="0">
-                          <a:latin typeface="Cambria Math" panose="02040503050406030204" pitchFamily="18" charset="0"/>
-                        </a:rPr>
-                        <m:t>−</m:t>
-                      </m:r>
-                      <m:sSub>
-                        <m:sSubPr>
-                          <m:ctrlPr>
-                            <a:rPr lang="en-SG" b="0" i="1" smtClean="0">
-                              <a:latin typeface="Cambria Math" panose="02040503050406030204" pitchFamily="18" charset="0"/>
-                            </a:rPr>
-                          </m:ctrlPr>
-                        </m:sSubPr>
-                        <m:e>
-                          <m:r>
-                            <a:rPr lang="en-SG" b="0" i="1" smtClean="0">
-                              <a:latin typeface="Cambria Math" panose="02040503050406030204" pitchFamily="18" charset="0"/>
-                            </a:rPr>
-                            <m:t>𝑅</m:t>
-                          </m:r>
-                        </m:e>
-                        <m:sub>
-                          <m:r>
-                            <a:rPr lang="en-SG" b="0" i="1" smtClean="0">
-                              <a:latin typeface="Cambria Math" panose="02040503050406030204" pitchFamily="18" charset="0"/>
-                            </a:rPr>
-                            <m:t>𝑛</m:t>
-                          </m:r>
-                          <m:r>
-                            <a:rPr lang="en-SG" b="0" i="1" smtClean="0">
-                              <a:latin typeface="Cambria Math" panose="02040503050406030204" pitchFamily="18" charset="0"/>
-                            </a:rPr>
-                            <m:t>2</m:t>
-                          </m:r>
-                        </m:sub>
-                      </m:sSub>
-                      <m:r>
-                        <a:rPr lang="en-SG" b="0" i="1" smtClean="0">
-                          <a:latin typeface="Cambria Math" panose="02040503050406030204" pitchFamily="18" charset="0"/>
-                        </a:rPr>
-                        <m:t>+9</m:t>
-                      </m:r>
-                      <m:sSub>
-                        <m:sSubPr>
-                          <m:ctrlPr>
-                            <a:rPr lang="en-SG" b="0" i="1" smtClean="0">
-                              <a:latin typeface="Cambria Math" panose="02040503050406030204" pitchFamily="18" charset="0"/>
-                            </a:rPr>
-                          </m:ctrlPr>
-                        </m:sSubPr>
-                        <m:e>
-                          <m:r>
-                            <a:rPr lang="en-SG" b="0" i="1" smtClean="0">
-                              <a:latin typeface="Cambria Math" panose="02040503050406030204" pitchFamily="18" charset="0"/>
-                            </a:rPr>
-                            <m:t>𝑅</m:t>
-                          </m:r>
-                        </m:e>
-                        <m:sub>
-                          <m:r>
-                            <a:rPr lang="en-SG" b="0" i="1" smtClean="0">
-                              <a:latin typeface="Cambria Math" panose="02040503050406030204" pitchFamily="18" charset="0"/>
-                            </a:rPr>
-                            <m:t>𝑛</m:t>
-                          </m:r>
-                          <m:r>
-                            <a:rPr lang="en-SG" b="0" i="1" smtClean="0">
-                              <a:latin typeface="Cambria Math" panose="02040503050406030204" pitchFamily="18" charset="0"/>
-                            </a:rPr>
-                            <m:t>2</m:t>
-                          </m:r>
-                        </m:sub>
-                      </m:sSub>
-                      <m:r>
-                        <a:rPr lang="en-SG" b="0" i="1" smtClean="0">
-                          <a:latin typeface="Cambria Math" panose="02040503050406030204" pitchFamily="18" charset="0"/>
-                        </a:rPr>
-                        <m:t>=</m:t>
-                      </m:r>
-                      <m:r>
-                        <a:rPr lang="en-SG" b="0" i="1" smtClean="0">
-                          <a:latin typeface="Cambria Math" panose="02040503050406030204" pitchFamily="18" charset="0"/>
-                        </a:rPr>
-                        <m:t>73.58</m:t>
-                      </m:r>
-                    </m:oMath>
-                  </m:oMathPara>
-                </a14:m>
-                <a:endParaRPr lang="en-SG" b="0" dirty="0"/>
+                <a:r>
+                  <a:rPr lang="en-SG" dirty="0">
+                    <a:latin typeface="Cambria Math" panose="02040503050406030204" pitchFamily="18" charset="0"/>
+                  </a:rPr>
+                  <a:t>Since the C.G is at 50% from datum A and reference height h and the wheels are spaced equally apart…</a:t>
+                </a:r>
+              </a:p>
+              <a:p>
+                <a:pPr marL="0" indent="0">
+                  <a:buNone/>
+                </a:pPr>
+                <a:endParaRPr lang="en-SG" dirty="0">
+                  <a:latin typeface="Cambria Math" panose="02040503050406030204" pitchFamily="18" charset="0"/>
+                </a:endParaRPr>
               </a:p>
               <a:p>
                 <a:pPr marL="0" indent="0">
@@ -13322,20 +13231,14 @@
                       <m:sSub>
                         <m:sSubPr>
                           <m:ctrlPr>
-                            <a:rPr lang="en-SG" i="1" smtClean="0">
+                            <a:rPr lang="en-SG" i="1">
                               <a:latin typeface="Cambria Math" panose="02040503050406030204" pitchFamily="18" charset="0"/>
                             </a:rPr>
                           </m:ctrlPr>
                         </m:sSubPr>
                         <m:e>
                           <m:r>
-                            <a:rPr lang="en-SG" b="0" i="1" smtClean="0">
-                              <a:latin typeface="Cambria Math" panose="02040503050406030204" pitchFamily="18" charset="0"/>
-                            </a:rPr>
-                            <m:t>8</m:t>
-                          </m:r>
-                          <m:r>
-                            <a:rPr lang="en-SG" b="0" i="1" smtClean="0">
+                            <a:rPr lang="en-SG" i="1">
                               <a:latin typeface="Cambria Math" panose="02040503050406030204" pitchFamily="18" charset="0"/>
                             </a:rPr>
                             <m:t>𝑅</m:t>
@@ -13343,16 +13246,16 @@
                         </m:e>
                         <m:sub>
                           <m:r>
+                            <a:rPr lang="en-SG" i="1">
+                              <a:latin typeface="Cambria Math" panose="02040503050406030204" pitchFamily="18" charset="0"/>
+                            </a:rPr>
+                            <m:t>𝑛</m:t>
+                          </m:r>
+                          <m:r>
                             <a:rPr lang="en-SG" b="0" i="1" smtClean="0">
                               <a:latin typeface="Cambria Math" panose="02040503050406030204" pitchFamily="18" charset="0"/>
                             </a:rPr>
-                            <m:t>𝑛</m:t>
-                          </m:r>
-                          <m:r>
-                            <a:rPr lang="en-SG" b="0" i="1" smtClean="0">
-                              <a:latin typeface="Cambria Math" panose="02040503050406030204" pitchFamily="18" charset="0"/>
-                            </a:rPr>
-                            <m:t>2</m:t>
+                            <m:t>1</m:t>
                           </m:r>
                         </m:sub>
                       </m:sSub>
@@ -13362,38 +13265,17 @@
                         </a:rPr>
                         <m:t>=</m:t>
                       </m:r>
-                      <m:r>
-                        <a:rPr lang="en-SG" b="0" i="1" smtClean="0">
-                          <a:latin typeface="Cambria Math" panose="02040503050406030204" pitchFamily="18" charset="0"/>
-                        </a:rPr>
-                        <m:t>58.865</m:t>
-                      </m:r>
-                    </m:oMath>
-                  </m:oMathPara>
-                </a14:m>
-                <a:endParaRPr lang="en-SG" b="0" dirty="0"/>
-              </a:p>
-              <a:p>
-                <a:pPr marL="0" indent="0">
-                  <a:buNone/>
-                </a:pPr>
-                <a14:m>
-                  <m:oMathPara xmlns:m="http://schemas.openxmlformats.org/officeDocument/2006/math">
-                    <m:oMathParaPr>
-                      <m:jc m:val="left"/>
-                    </m:oMathParaPr>
-                    <m:oMath xmlns:m="http://schemas.openxmlformats.org/officeDocument/2006/math">
                       <m:sSub>
                         <m:sSubPr>
                           <m:ctrlPr>
-                            <a:rPr lang="en-SG" i="1" smtClean="0">
+                            <a:rPr lang="en-SG" i="1">
                               <a:latin typeface="Cambria Math" panose="02040503050406030204" pitchFamily="18" charset="0"/>
                             </a:rPr>
                           </m:ctrlPr>
                         </m:sSubPr>
                         <m:e>
                           <m:r>
-                            <a:rPr lang="en-SG" b="0" i="1" smtClean="0">
+                            <a:rPr lang="en-SG" i="1">
                               <a:latin typeface="Cambria Math" panose="02040503050406030204" pitchFamily="18" charset="0"/>
                             </a:rPr>
                             <m:t>𝑅</m:t>
@@ -13401,16 +13283,53 @@
                         </m:e>
                         <m:sub>
                           <m:r>
+                            <a:rPr lang="en-SG" i="1">
+                              <a:latin typeface="Cambria Math" panose="02040503050406030204" pitchFamily="18" charset="0"/>
+                            </a:rPr>
+                            <m:t>𝑛</m:t>
+                          </m:r>
+                          <m:r>
+                            <a:rPr lang="en-SG" i="1">
+                              <a:latin typeface="Cambria Math" panose="02040503050406030204" pitchFamily="18" charset="0"/>
+                            </a:rPr>
+                            <m:t>2</m:t>
+                          </m:r>
+                        </m:sub>
+                      </m:sSub>
+                      <m:r>
+                        <a:rPr lang="en-SG" b="0" i="0" smtClean="0">
+                          <a:latin typeface="Cambria Math" panose="02040503050406030204" pitchFamily="18" charset="0"/>
+                        </a:rPr>
+                        <m:t>=</m:t>
+                      </m:r>
+                      <m:sSub>
+                        <m:sSubPr>
+                          <m:ctrlPr>
+                            <a:rPr lang="en-SG" i="1">
+                              <a:latin typeface="Cambria Math" panose="02040503050406030204" pitchFamily="18" charset="0"/>
+                            </a:rPr>
+                          </m:ctrlPr>
+                        </m:sSubPr>
+                        <m:e>
+                          <m:r>
+                            <a:rPr lang="en-SG" i="1">
+                              <a:latin typeface="Cambria Math" panose="02040503050406030204" pitchFamily="18" charset="0"/>
+                            </a:rPr>
+                            <m:t>𝑅</m:t>
+                          </m:r>
+                        </m:e>
+                        <m:sub>
+                          <m:r>
+                            <a:rPr lang="en-SG" i="1">
+                              <a:latin typeface="Cambria Math" panose="02040503050406030204" pitchFamily="18" charset="0"/>
+                            </a:rPr>
+                            <m:t>𝑛</m:t>
+                          </m:r>
+                          <m:r>
                             <a:rPr lang="en-SG" b="0" i="1" smtClean="0">
                               <a:latin typeface="Cambria Math" panose="02040503050406030204" pitchFamily="18" charset="0"/>
                             </a:rPr>
-                            <m:t>𝑛</m:t>
-                          </m:r>
-                          <m:r>
-                            <a:rPr lang="en-SG" b="0" i="1" smtClean="0">
-                              <a:latin typeface="Cambria Math" panose="02040503050406030204" pitchFamily="18" charset="0"/>
-                            </a:rPr>
-                            <m:t>2</m:t>
+                            <m:t>3</m:t>
                           </m:r>
                         </m:sub>
                       </m:sSub>
@@ -13418,17 +13337,19 @@
                         <a:rPr lang="en-SG" b="0" i="1" smtClean="0">
                           <a:latin typeface="Cambria Math" panose="02040503050406030204" pitchFamily="18" charset="0"/>
                         </a:rPr>
-                        <m:t>=</m:t>
+                        <m:t>=14.715</m:t>
                       </m:r>
                       <m:r>
                         <a:rPr lang="en-SG" b="0" i="1" smtClean="0">
                           <a:latin typeface="Cambria Math" panose="02040503050406030204" pitchFamily="18" charset="0"/>
+                          <a:ea typeface="Cambria Math" panose="02040503050406030204" pitchFamily="18" charset="0"/>
                         </a:rPr>
-                        <m:t>7.358</m:t>
+                        <m:t>÷6=2.453</m:t>
                       </m:r>
                       <m:r>
                         <a:rPr lang="en-SG" b="0" i="1" smtClean="0">
                           <a:latin typeface="Cambria Math" panose="02040503050406030204" pitchFamily="18" charset="0"/>
+                          <a:ea typeface="Cambria Math" panose="02040503050406030204" pitchFamily="18" charset="0"/>
                         </a:rPr>
                         <m:t>𝑁</m:t>
                       </m:r>
@@ -13436,146 +13357,6 @@
                   </m:oMathPara>
                 </a14:m>
                 <a:endParaRPr lang="en-SG" b="0" dirty="0"/>
-              </a:p>
-              <a:p>
-                <a:pPr marL="0" indent="0">
-                  <a:buNone/>
-                </a:pPr>
-                <a:endParaRPr lang="en-SG" dirty="0"/>
-              </a:p>
-              <a:p>
-                <a:pPr marL="0" indent="0">
-                  <a:buNone/>
-                </a:pPr>
-                <a14:m>
-                  <m:oMathPara xmlns:m="http://schemas.openxmlformats.org/officeDocument/2006/math">
-                    <m:oMathParaPr>
-                      <m:jc m:val="left"/>
-                    </m:oMathParaPr>
-                    <m:oMath xmlns:m="http://schemas.openxmlformats.org/officeDocument/2006/math">
-                      <m:sSub>
-                        <m:sSubPr>
-                          <m:ctrlPr>
-                            <a:rPr lang="en-SG" i="1" smtClean="0">
-                              <a:latin typeface="Cambria Math" panose="02040503050406030204" pitchFamily="18" charset="0"/>
-                            </a:rPr>
-                          </m:ctrlPr>
-                        </m:sSubPr>
-                        <m:e>
-                          <m:r>
-                            <a:rPr lang="en-SG" b="0" i="1" smtClean="0">
-                              <a:latin typeface="Cambria Math" panose="02040503050406030204" pitchFamily="18" charset="0"/>
-                            </a:rPr>
-                            <m:t>𝑅</m:t>
-                          </m:r>
-                        </m:e>
-                        <m:sub>
-                          <m:r>
-                            <a:rPr lang="en-SG" b="0" i="1" smtClean="0">
-                              <a:latin typeface="Cambria Math" panose="02040503050406030204" pitchFamily="18" charset="0"/>
-                            </a:rPr>
-                            <m:t>𝑛</m:t>
-                          </m:r>
-                          <m:r>
-                            <a:rPr lang="en-SG" b="0" i="1" smtClean="0">
-                              <a:latin typeface="Cambria Math" panose="02040503050406030204" pitchFamily="18" charset="0"/>
-                            </a:rPr>
-                            <m:t>1</m:t>
-                          </m:r>
-                        </m:sub>
-                      </m:sSub>
-                      <m:r>
-                        <a:rPr lang="en-SG" b="0" i="1" smtClean="0">
-                          <a:latin typeface="Cambria Math" panose="02040503050406030204" pitchFamily="18" charset="0"/>
-                        </a:rPr>
-                        <m:t>=1</m:t>
-                      </m:r>
-                      <m:r>
-                        <a:rPr lang="en-SG" b="0" i="1" smtClean="0">
-                          <a:latin typeface="Cambria Math" panose="02040503050406030204" pitchFamily="18" charset="0"/>
-                        </a:rPr>
-                        <m:t>4.715</m:t>
-                      </m:r>
-                      <m:r>
-                        <a:rPr lang="en-SG" b="0" i="1" smtClean="0">
-                          <a:latin typeface="Cambria Math" panose="02040503050406030204" pitchFamily="18" charset="0"/>
-                        </a:rPr>
-                        <m:t>−</m:t>
-                      </m:r>
-                      <m:r>
-                        <a:rPr lang="en-SG" b="0" i="1" smtClean="0">
-                          <a:latin typeface="Cambria Math" panose="02040503050406030204" pitchFamily="18" charset="0"/>
-                        </a:rPr>
-                        <m:t>7.358</m:t>
-                      </m:r>
-                    </m:oMath>
-                  </m:oMathPara>
-                </a14:m>
-                <a:endParaRPr lang="en-SG" b="0" dirty="0"/>
-              </a:p>
-              <a:p>
-                <a:pPr marL="0" indent="0">
-                  <a:buNone/>
-                </a:pPr>
-                <a14:m>
-                  <m:oMathPara xmlns:m="http://schemas.openxmlformats.org/officeDocument/2006/math">
-                    <m:oMathParaPr>
-                      <m:jc m:val="left"/>
-                    </m:oMathParaPr>
-                    <m:oMath xmlns:m="http://schemas.openxmlformats.org/officeDocument/2006/math">
-                      <m:sSub>
-                        <m:sSubPr>
-                          <m:ctrlPr>
-                            <a:rPr lang="en-SG" i="1" smtClean="0">
-                              <a:latin typeface="Cambria Math" panose="02040503050406030204" pitchFamily="18" charset="0"/>
-                            </a:rPr>
-                          </m:ctrlPr>
-                        </m:sSubPr>
-                        <m:e>
-                          <m:r>
-                            <a:rPr lang="en-SG" b="0" i="1" smtClean="0">
-                              <a:latin typeface="Cambria Math" panose="02040503050406030204" pitchFamily="18" charset="0"/>
-                            </a:rPr>
-                            <m:t>𝑅</m:t>
-                          </m:r>
-                        </m:e>
-                        <m:sub>
-                          <m:r>
-                            <a:rPr lang="en-SG" b="0" i="1" smtClean="0">
-                              <a:latin typeface="Cambria Math" panose="02040503050406030204" pitchFamily="18" charset="0"/>
-                            </a:rPr>
-                            <m:t>𝑛</m:t>
-                          </m:r>
-                          <m:r>
-                            <a:rPr lang="en-SG" b="0" i="1" smtClean="0">
-                              <a:latin typeface="Cambria Math" panose="02040503050406030204" pitchFamily="18" charset="0"/>
-                            </a:rPr>
-                            <m:t>1</m:t>
-                          </m:r>
-                        </m:sub>
-                      </m:sSub>
-                      <m:r>
-                        <a:rPr lang="en-SG" b="0" i="1" smtClean="0">
-                          <a:latin typeface="Cambria Math" panose="02040503050406030204" pitchFamily="18" charset="0"/>
-                        </a:rPr>
-                        <m:t>=</m:t>
-                      </m:r>
-                      <m:r>
-                        <a:rPr lang="en-SG" b="0" i="1" smtClean="0">
-                          <a:latin typeface="Cambria Math" panose="02040503050406030204" pitchFamily="18" charset="0"/>
-                        </a:rPr>
-                        <m:t>7.357</m:t>
-                      </m:r>
-                      <m:r>
-                        <a:rPr lang="en-SG" b="0" i="1" smtClean="0">
-                          <a:latin typeface="Cambria Math" panose="02040503050406030204" pitchFamily="18" charset="0"/>
-                        </a:rPr>
-                        <m:t>𝑁</m:t>
-                      </m:r>
-                    </m:oMath>
-                  </m:oMathPara>
-                </a14:m>
-                <a:endParaRPr lang="en-SG" dirty="0"/>
               </a:p>
               <a:p>
                 <a:pPr marL="0" indent="0">
@@ -13598,7 +13379,7 @@
             </p:txBody>
           </p:sp>
         </mc:Choice>
-        <mc:Fallback>
+        <mc:Fallback xmlns="">
           <p:sp>
             <p:nvSpPr>
               <p:cNvPr id="3" name="Content Placeholder 2">
@@ -13619,7 +13400,7 @@
               <a:blipFill>
                 <a:blip r:embed="rId2"/>
                 <a:stretch>
-                  <a:fillRect l="-290"/>
+                  <a:fillRect l="-1217" t="-2381" r="-1449"/>
                 </a:stretch>
               </a:blipFill>
             </p:spPr>

--- a/Tank Calculations.pptx
+++ b/Tank Calculations.pptx
@@ -10242,6 +10242,135 @@
           </p:sp>
         </mc:Fallback>
       </mc:AlternateContent>
+      <p:sp>
+        <p:nvSpPr>
+          <p:cNvPr id="5" name="Rectangle 4">
+            <a:extLst>
+              <a:ext uri="{FF2B5EF4-FFF2-40B4-BE49-F238E27FC236}">
+                <a16:creationId xmlns:a16="http://schemas.microsoft.com/office/drawing/2014/main" id="{7C18E9D8-D099-4454-88CD-34EFC16BF1AD}"/>
+              </a:ext>
+            </a:extLst>
+          </p:cNvPr>
+          <p:cNvSpPr/>
+          <p:nvPr/>
+        </p:nvSpPr>
+        <p:spPr>
+          <a:xfrm>
+            <a:off x="4572347" y="1825625"/>
+            <a:ext cx="1854610" cy="369332"/>
+          </a:xfrm>
+          <a:prstGeom prst="rect">
+            <a:avLst/>
+          </a:prstGeom>
+        </p:spPr>
+        <p:txBody>
+          <a:bodyPr wrap="none">
+            <a:spAutoFit/>
+          </a:bodyPr>
+          <a:lstStyle/>
+          <a:p>
+            <a:pPr algn="ctr"/>
+            <a:r>
+              <a:rPr lang="en-SG" dirty="0">
+                <a:solidFill>
+                  <a:srgbClr val="000000"/>
+                </a:solidFill>
+                <a:latin typeface="Open Sans"/>
+              </a:rPr>
+              <a:t>(Surface friction)</a:t>
+            </a:r>
+            <a:endParaRPr lang="en-SG" dirty="0">
+              <a:effectLst/>
+            </a:endParaRPr>
+          </a:p>
+        </p:txBody>
+      </p:sp>
+      <p:sp>
+        <p:nvSpPr>
+          <p:cNvPr id="6" name="Rectangle 5">
+            <a:extLst>
+              <a:ext uri="{FF2B5EF4-FFF2-40B4-BE49-F238E27FC236}">
+                <a16:creationId xmlns:a16="http://schemas.microsoft.com/office/drawing/2014/main" id="{C3451D93-DBFE-47AE-B0EF-E473B0D64405}"/>
+              </a:ext>
+            </a:extLst>
+          </p:cNvPr>
+          <p:cNvSpPr/>
+          <p:nvPr/>
+        </p:nvSpPr>
+        <p:spPr>
+          <a:xfrm>
+            <a:off x="4499922" y="3344625"/>
+            <a:ext cx="1999458" cy="369332"/>
+          </a:xfrm>
+          <a:prstGeom prst="rect">
+            <a:avLst/>
+          </a:prstGeom>
+        </p:spPr>
+        <p:txBody>
+          <a:bodyPr wrap="none">
+            <a:spAutoFit/>
+          </a:bodyPr>
+          <a:lstStyle/>
+          <a:p>
+            <a:pPr algn="ctr"/>
+            <a:r>
+              <a:rPr lang="en-SG" dirty="0">
+                <a:solidFill>
+                  <a:srgbClr val="000000"/>
+                </a:solidFill>
+                <a:latin typeface="Open Sans"/>
+              </a:rPr>
+              <a:t>(Grade resistance)</a:t>
+            </a:r>
+            <a:endParaRPr lang="en-SG" dirty="0">
+              <a:effectLst/>
+            </a:endParaRPr>
+          </a:p>
+        </p:txBody>
+      </p:sp>
+      <p:sp>
+        <p:nvSpPr>
+          <p:cNvPr id="7" name="Rectangle 6">
+            <a:extLst>
+              <a:ext uri="{FF2B5EF4-FFF2-40B4-BE49-F238E27FC236}">
+                <a16:creationId xmlns:a16="http://schemas.microsoft.com/office/drawing/2014/main" id="{7657823C-790A-4E32-AC7B-1965FF3BE139}"/>
+              </a:ext>
+            </a:extLst>
+          </p:cNvPr>
+          <p:cNvSpPr/>
+          <p:nvPr/>
+        </p:nvSpPr>
+        <p:spPr>
+          <a:xfrm>
+            <a:off x="4422979" y="4863890"/>
+            <a:ext cx="2153346" cy="369332"/>
+          </a:xfrm>
+          <a:prstGeom prst="rect">
+            <a:avLst/>
+          </a:prstGeom>
+        </p:spPr>
+        <p:txBody>
+          <a:bodyPr wrap="none">
+            <a:spAutoFit/>
+          </a:bodyPr>
+          <a:lstStyle/>
+          <a:p>
+            <a:pPr algn="ctr"/>
+            <a:r>
+              <a:rPr lang="en-SG" dirty="0">
+                <a:solidFill>
+                  <a:srgbClr val="000000"/>
+                </a:solidFill>
+                <a:latin typeface="Open Sans"/>
+              </a:rPr>
+              <a:t>(Acceleration force)</a:t>
+            </a:r>
+            <a:endParaRPr lang="en-SG" dirty="0">
+              <a:effectLst/>
+            </a:endParaRPr>
+          </a:p>
+        </p:txBody>
+      </p:sp>
     </p:spTree>
     <p:extLst>
       <p:ext uri="{BB962C8B-B14F-4D97-AF65-F5344CB8AC3E}">
@@ -10913,6 +11042,92 @@
           </p:sp>
         </mc:Fallback>
       </mc:AlternateContent>
+      <p:sp>
+        <p:nvSpPr>
+          <p:cNvPr id="4" name="Rectangle 3">
+            <a:extLst>
+              <a:ext uri="{FF2B5EF4-FFF2-40B4-BE49-F238E27FC236}">
+                <a16:creationId xmlns:a16="http://schemas.microsoft.com/office/drawing/2014/main" id="{068BAA9E-EA29-4152-A3C1-ABCB1495032F}"/>
+              </a:ext>
+            </a:extLst>
+          </p:cNvPr>
+          <p:cNvSpPr/>
+          <p:nvPr/>
+        </p:nvSpPr>
+        <p:spPr>
+          <a:xfrm>
+            <a:off x="4643871" y="1825625"/>
+            <a:ext cx="1711559" cy="369332"/>
+          </a:xfrm>
+          <a:prstGeom prst="rect">
+            <a:avLst/>
+          </a:prstGeom>
+        </p:spPr>
+        <p:txBody>
+          <a:bodyPr wrap="none">
+            <a:spAutoFit/>
+          </a:bodyPr>
+          <a:lstStyle/>
+          <a:p>
+            <a:pPr algn="ctr"/>
+            <a:r>
+              <a:rPr lang="en-SG" dirty="0">
+                <a:solidFill>
+                  <a:srgbClr val="000000"/>
+                </a:solidFill>
+                <a:latin typeface="Open Sans"/>
+              </a:rPr>
+              <a:t>(Sum of forces)</a:t>
+            </a:r>
+            <a:endParaRPr lang="en-SG" dirty="0">
+              <a:effectLst/>
+            </a:endParaRPr>
+          </a:p>
+        </p:txBody>
+      </p:sp>
+      <p:sp>
+        <p:nvSpPr>
+          <p:cNvPr id="5" name="Rectangle 4">
+            <a:extLst>
+              <a:ext uri="{FF2B5EF4-FFF2-40B4-BE49-F238E27FC236}">
+                <a16:creationId xmlns:a16="http://schemas.microsoft.com/office/drawing/2014/main" id="{C574A792-45B1-412F-9625-9CD7BD155381}"/>
+              </a:ext>
+            </a:extLst>
+          </p:cNvPr>
+          <p:cNvSpPr/>
+          <p:nvPr/>
+        </p:nvSpPr>
+        <p:spPr>
+          <a:xfrm>
+            <a:off x="4289031" y="3984867"/>
+            <a:ext cx="2278188" cy="369332"/>
+          </a:xfrm>
+          <a:prstGeom prst="rect">
+            <a:avLst/>
+          </a:prstGeom>
+        </p:spPr>
+        <p:txBody>
+          <a:bodyPr wrap="none">
+            <a:spAutoFit/>
+          </a:bodyPr>
+          <a:lstStyle/>
+          <a:p>
+            <a:pPr algn="ctr"/>
+            <a:r>
+              <a:rPr lang="en-SG" dirty="0">
+                <a:solidFill>
+                  <a:srgbClr val="000000"/>
+                </a:solidFill>
+                <a:latin typeface="Open Sans"/>
+              </a:rPr>
+              <a:t>(Min torque needed)</a:t>
+            </a:r>
+            <a:endParaRPr lang="en-SG" dirty="0">
+              <a:effectLst/>
+            </a:endParaRPr>
+          </a:p>
+        </p:txBody>
+      </p:sp>
     </p:spTree>
     <p:extLst>
       <p:ext uri="{BB962C8B-B14F-4D97-AF65-F5344CB8AC3E}">
